--- a/SE ppt.pptx
+++ b/SE ppt.pptx
@@ -5,7 +5,7 @@
     <p:sldMasterId id="2147483732" r:id="rId1"/>
   </p:sldMasterIdLst>
   <p:notesMasterIdLst>
-    <p:notesMasterId r:id="rId32"/>
+    <p:notesMasterId r:id="rId33"/>
   </p:notesMasterIdLst>
   <p:sldIdLst>
     <p:sldId id="256" r:id="rId2"/>
@@ -18,46 +18,47 @@
     <p:sldId id="274" r:id="rId9"/>
     <p:sldId id="275" r:id="rId10"/>
     <p:sldId id="276" r:id="rId11"/>
-    <p:sldId id="299" r:id="rId12"/>
-    <p:sldId id="300" r:id="rId13"/>
-    <p:sldId id="302" r:id="rId14"/>
+    <p:sldId id="300" r:id="rId12"/>
+    <p:sldId id="299" r:id="rId13"/>
+    <p:sldId id="303" r:id="rId14"/>
     <p:sldId id="301" r:id="rId15"/>
-    <p:sldId id="269" r:id="rId16"/>
-    <p:sldId id="296" r:id="rId17"/>
-    <p:sldId id="281" r:id="rId18"/>
-    <p:sldId id="292" r:id="rId19"/>
-    <p:sldId id="295" r:id="rId20"/>
-    <p:sldId id="277" r:id="rId21"/>
-    <p:sldId id="291" r:id="rId22"/>
-    <p:sldId id="294" r:id="rId23"/>
-    <p:sldId id="280" r:id="rId24"/>
-    <p:sldId id="282" r:id="rId25"/>
-    <p:sldId id="286" r:id="rId26"/>
-    <p:sldId id="287" r:id="rId27"/>
-    <p:sldId id="289" r:id="rId28"/>
-    <p:sldId id="285" r:id="rId29"/>
-    <p:sldId id="297" r:id="rId30"/>
-    <p:sldId id="298" r:id="rId31"/>
+    <p:sldId id="302" r:id="rId16"/>
+    <p:sldId id="269" r:id="rId17"/>
+    <p:sldId id="296" r:id="rId18"/>
+    <p:sldId id="281" r:id="rId19"/>
+    <p:sldId id="292" r:id="rId20"/>
+    <p:sldId id="295" r:id="rId21"/>
+    <p:sldId id="277" r:id="rId22"/>
+    <p:sldId id="291" r:id="rId23"/>
+    <p:sldId id="294" r:id="rId24"/>
+    <p:sldId id="280" r:id="rId25"/>
+    <p:sldId id="282" r:id="rId26"/>
+    <p:sldId id="286" r:id="rId27"/>
+    <p:sldId id="287" r:id="rId28"/>
+    <p:sldId id="289" r:id="rId29"/>
+    <p:sldId id="285" r:id="rId30"/>
+    <p:sldId id="297" r:id="rId31"/>
+    <p:sldId id="298" r:id="rId32"/>
   </p:sldIdLst>
   <p:sldSz cx="9906000" cy="6858000" type="A4"/>
   <p:notesSz cx="6858000" cy="9144000"/>
   <p:embeddedFontLst>
     <p:embeddedFont>
+      <p:font typeface="Calibri Light" panose="020F0302020204030204" pitchFamily="34" charset="0"/>
+      <p:regular r:id="rId34"/>
+      <p:italic r:id="rId35"/>
+    </p:embeddedFont>
+    <p:embeddedFont>
       <p:font typeface="맑은 고딕" panose="020B0503020000020004" pitchFamily="50" charset="-127"/>
-      <p:regular r:id="rId33"/>
-      <p:bold r:id="rId34"/>
+      <p:regular r:id="rId36"/>
+      <p:bold r:id="rId37"/>
     </p:embeddedFont>
     <p:embeddedFont>
       <p:font typeface="Calibri" panose="020F0502020204030204" pitchFamily="34" charset="0"/>
-      <p:regular r:id="rId35"/>
-      <p:bold r:id="rId36"/>
-      <p:italic r:id="rId37"/>
-      <p:boldItalic r:id="rId38"/>
-    </p:embeddedFont>
-    <p:embeddedFont>
-      <p:font typeface="Calibri Light" panose="020F0302020204030204" pitchFamily="34" charset="0"/>
-      <p:regular r:id="rId39"/>
+      <p:regular r:id="rId38"/>
+      <p:bold r:id="rId39"/>
       <p:italic r:id="rId40"/>
+      <p:boldItalic r:id="rId41"/>
     </p:embeddedFont>
   </p:embeddedFontLst>
   <p:defaultTextStyle>
@@ -276,7 +277,7 @@
           <a:p>
             <a:fld id="{485960F0-0296-4483-A7DD-6993D5F1B49D}" type="datetimeFigureOut">
               <a:rPr lang="ko-KR" altLang="en-US" smtClean="0"/>
-              <a:t>2016-06-10</a:t>
+              <a:t>2016-06-11</a:t>
             </a:fld>
             <a:endParaRPr lang="ko-KR" altLang="en-US" dirty="0"/>
           </a:p>
@@ -692,7 +693,7 @@
           <a:p>
             <a:fld id="{3BE1435C-E233-4B14-A0CD-BAD4A5DB9A5D}" type="slidenum">
               <a:rPr lang="ko-KR" altLang="en-US" smtClean="0"/>
-              <a:t>20</a:t>
+              <a:t>21</a:t>
             </a:fld>
             <a:endParaRPr lang="ko-KR" altLang="en-US" dirty="0"/>
           </a:p>
@@ -776,7 +777,7 @@
           <a:p>
             <a:fld id="{3BE1435C-E233-4B14-A0CD-BAD4A5DB9A5D}" type="slidenum">
               <a:rPr lang="ko-KR" altLang="en-US" smtClean="0"/>
-              <a:t>21</a:t>
+              <a:t>22</a:t>
             </a:fld>
             <a:endParaRPr lang="ko-KR" altLang="en-US" dirty="0"/>
           </a:p>
@@ -860,7 +861,7 @@
           <a:p>
             <a:fld id="{3BE1435C-E233-4B14-A0CD-BAD4A5DB9A5D}" type="slidenum">
               <a:rPr lang="ko-KR" altLang="en-US" smtClean="0"/>
-              <a:t>22</a:t>
+              <a:t>23</a:t>
             </a:fld>
             <a:endParaRPr lang="ko-KR" altLang="en-US" dirty="0"/>
           </a:p>
@@ -944,7 +945,7 @@
           <a:p>
             <a:fld id="{3BE1435C-E233-4B14-A0CD-BAD4A5DB9A5D}" type="slidenum">
               <a:rPr lang="ko-KR" altLang="en-US" smtClean="0"/>
-              <a:t>23</a:t>
+              <a:t>24</a:t>
             </a:fld>
             <a:endParaRPr lang="ko-KR" altLang="en-US" dirty="0"/>
           </a:p>
@@ -1028,7 +1029,7 @@
           <a:p>
             <a:fld id="{3BE1435C-E233-4B14-A0CD-BAD4A5DB9A5D}" type="slidenum">
               <a:rPr lang="ko-KR" altLang="en-US" smtClean="0"/>
-              <a:t>24</a:t>
+              <a:t>25</a:t>
             </a:fld>
             <a:endParaRPr lang="ko-KR" altLang="en-US" dirty="0"/>
           </a:p>
@@ -1112,7 +1113,7 @@
           <a:p>
             <a:fld id="{3BE1435C-E233-4B14-A0CD-BAD4A5DB9A5D}" type="slidenum">
               <a:rPr lang="ko-KR" altLang="en-US" smtClean="0"/>
-              <a:t>25</a:t>
+              <a:t>26</a:t>
             </a:fld>
             <a:endParaRPr lang="ko-KR" altLang="en-US" dirty="0"/>
           </a:p>
@@ -1196,7 +1197,7 @@
           <a:p>
             <a:fld id="{3BE1435C-E233-4B14-A0CD-BAD4A5DB9A5D}" type="slidenum">
               <a:rPr lang="ko-KR" altLang="en-US" smtClean="0"/>
-              <a:t>26</a:t>
+              <a:t>27</a:t>
             </a:fld>
             <a:endParaRPr lang="ko-KR" altLang="en-US" dirty="0"/>
           </a:p>
@@ -1280,7 +1281,7 @@
           <a:p>
             <a:fld id="{3BE1435C-E233-4B14-A0CD-BAD4A5DB9A5D}" type="slidenum">
               <a:rPr lang="ko-KR" altLang="en-US" smtClean="0"/>
-              <a:t>27</a:t>
+              <a:t>28</a:t>
             </a:fld>
             <a:endParaRPr lang="ko-KR" altLang="en-US" dirty="0"/>
           </a:p>
@@ -1364,7 +1365,7 @@
           <a:p>
             <a:fld id="{3BE1435C-E233-4B14-A0CD-BAD4A5DB9A5D}" type="slidenum">
               <a:rPr lang="ko-KR" altLang="en-US" smtClean="0"/>
-              <a:t>28</a:t>
+              <a:t>29</a:t>
             </a:fld>
             <a:endParaRPr lang="ko-KR" altLang="en-US" dirty="0"/>
           </a:p>
@@ -1448,7 +1449,7 @@
           <a:p>
             <a:fld id="{3BE1435C-E233-4B14-A0CD-BAD4A5DB9A5D}" type="slidenum">
               <a:rPr lang="ko-KR" altLang="en-US" smtClean="0"/>
-              <a:t>29</a:t>
+              <a:t>30</a:t>
             </a:fld>
             <a:endParaRPr lang="ko-KR" altLang="en-US" dirty="0"/>
           </a:p>
@@ -1616,7 +1617,7 @@
           <a:p>
             <a:fld id="{3BE1435C-E233-4B14-A0CD-BAD4A5DB9A5D}" type="slidenum">
               <a:rPr lang="ko-KR" altLang="en-US" smtClean="0"/>
-              <a:t>30</a:t>
+              <a:t>31</a:t>
             </a:fld>
             <a:endParaRPr lang="ko-KR" altLang="en-US" dirty="0"/>
           </a:p>
@@ -1868,7 +1869,7 @@
           <a:p>
             <a:fld id="{3BE1435C-E233-4B14-A0CD-BAD4A5DB9A5D}" type="slidenum">
               <a:rPr lang="ko-KR" altLang="en-US" smtClean="0"/>
-              <a:t>15</a:t>
+              <a:t>16</a:t>
             </a:fld>
             <a:endParaRPr lang="ko-KR" altLang="en-US" dirty="0"/>
           </a:p>
@@ -1952,7 +1953,7 @@
           <a:p>
             <a:fld id="{3BE1435C-E233-4B14-A0CD-BAD4A5DB9A5D}" type="slidenum">
               <a:rPr lang="ko-KR" altLang="en-US" smtClean="0"/>
-              <a:t>16</a:t>
+              <a:t>17</a:t>
             </a:fld>
             <a:endParaRPr lang="ko-KR" altLang="en-US" dirty="0"/>
           </a:p>
@@ -2036,7 +2037,7 @@
           <a:p>
             <a:fld id="{3BE1435C-E233-4B14-A0CD-BAD4A5DB9A5D}" type="slidenum">
               <a:rPr lang="ko-KR" altLang="en-US" smtClean="0"/>
-              <a:t>17</a:t>
+              <a:t>18</a:t>
             </a:fld>
             <a:endParaRPr lang="ko-KR" altLang="en-US" dirty="0"/>
           </a:p>
@@ -2120,7 +2121,7 @@
           <a:p>
             <a:fld id="{3BE1435C-E233-4B14-A0CD-BAD4A5DB9A5D}" type="slidenum">
               <a:rPr lang="ko-KR" altLang="en-US" smtClean="0"/>
-              <a:t>18</a:t>
+              <a:t>19</a:t>
             </a:fld>
             <a:endParaRPr lang="ko-KR" altLang="en-US" dirty="0"/>
           </a:p>
@@ -2204,7 +2205,7 @@
           <a:p>
             <a:fld id="{3BE1435C-E233-4B14-A0CD-BAD4A5DB9A5D}" type="slidenum">
               <a:rPr lang="ko-KR" altLang="en-US" smtClean="0"/>
-              <a:t>19</a:t>
+              <a:t>20</a:t>
             </a:fld>
             <a:endParaRPr lang="ko-KR" altLang="en-US" dirty="0"/>
           </a:p>
@@ -2355,7 +2356,7 @@
             <a:fld id="{224421E0-224F-45CD-9B6E-99E23DA5F314}" type="datetimeFigureOut">
               <a:rPr lang="ko-KR" altLang="en-US" smtClean="0"/>
               <a:pPr/>
-              <a:t>2016-06-10</a:t>
+              <a:t>2016-06-11</a:t>
             </a:fld>
             <a:endParaRPr lang="ko-KR" altLang="en-US" dirty="0"/>
           </a:p>
@@ -2527,7 +2528,7 @@
             <a:fld id="{224421E0-224F-45CD-9B6E-99E23DA5F314}" type="datetimeFigureOut">
               <a:rPr lang="ko-KR" altLang="en-US" smtClean="0"/>
               <a:pPr/>
-              <a:t>2016-06-10</a:t>
+              <a:t>2016-06-11</a:t>
             </a:fld>
             <a:endParaRPr lang="ko-KR" altLang="en-US" dirty="0"/>
           </a:p>
@@ -2709,7 +2710,7 @@
             <a:fld id="{224421E0-224F-45CD-9B6E-99E23DA5F314}" type="datetimeFigureOut">
               <a:rPr lang="ko-KR" altLang="en-US" smtClean="0"/>
               <a:pPr/>
-              <a:t>2016-06-10</a:t>
+              <a:t>2016-06-11</a:t>
             </a:fld>
             <a:endParaRPr lang="ko-KR" altLang="en-US" dirty="0"/>
           </a:p>
@@ -2881,7 +2882,7 @@
             <a:fld id="{224421E0-224F-45CD-9B6E-99E23DA5F314}" type="datetimeFigureOut">
               <a:rPr lang="ko-KR" altLang="en-US" smtClean="0"/>
               <a:pPr/>
-              <a:t>2016-06-10</a:t>
+              <a:t>2016-06-11</a:t>
             </a:fld>
             <a:endParaRPr lang="ko-KR" altLang="en-US" dirty="0"/>
           </a:p>
@@ -3127,7 +3128,7 @@
             <a:fld id="{224421E0-224F-45CD-9B6E-99E23DA5F314}" type="datetimeFigureOut">
               <a:rPr lang="ko-KR" altLang="en-US" smtClean="0"/>
               <a:pPr/>
-              <a:t>2016-06-10</a:t>
+              <a:t>2016-06-11</a:t>
             </a:fld>
             <a:endParaRPr lang="ko-KR" altLang="en-US" dirty="0"/>
           </a:p>
@@ -3361,7 +3362,7 @@
             <a:fld id="{224421E0-224F-45CD-9B6E-99E23DA5F314}" type="datetimeFigureOut">
               <a:rPr lang="ko-KR" altLang="en-US" smtClean="0"/>
               <a:pPr/>
-              <a:t>2016-06-10</a:t>
+              <a:t>2016-06-11</a:t>
             </a:fld>
             <a:endParaRPr lang="ko-KR" altLang="en-US" dirty="0"/>
           </a:p>
@@ -3730,7 +3731,7 @@
             <a:fld id="{224421E0-224F-45CD-9B6E-99E23DA5F314}" type="datetimeFigureOut">
               <a:rPr lang="ko-KR" altLang="en-US" smtClean="0"/>
               <a:pPr/>
-              <a:t>2016-06-10</a:t>
+              <a:t>2016-06-11</a:t>
             </a:fld>
             <a:endParaRPr lang="ko-KR" altLang="en-US" dirty="0"/>
           </a:p>
@@ -3850,7 +3851,7 @@
             <a:fld id="{224421E0-224F-45CD-9B6E-99E23DA5F314}" type="datetimeFigureOut">
               <a:rPr lang="ko-KR" altLang="en-US" smtClean="0"/>
               <a:pPr/>
-              <a:t>2016-06-10</a:t>
+              <a:t>2016-06-11</a:t>
             </a:fld>
             <a:endParaRPr lang="ko-KR" altLang="en-US" dirty="0"/>
           </a:p>
@@ -3947,7 +3948,7 @@
             <a:fld id="{224421E0-224F-45CD-9B6E-99E23DA5F314}" type="datetimeFigureOut">
               <a:rPr lang="ko-KR" altLang="en-US" smtClean="0"/>
               <a:pPr/>
-              <a:t>2016-06-10</a:t>
+              <a:t>2016-06-11</a:t>
             </a:fld>
             <a:endParaRPr lang="ko-KR" altLang="en-US" dirty="0"/>
           </a:p>
@@ -4226,7 +4227,7 @@
             <a:fld id="{224421E0-224F-45CD-9B6E-99E23DA5F314}" type="datetimeFigureOut">
               <a:rPr lang="ko-KR" altLang="en-US" smtClean="0"/>
               <a:pPr/>
-              <a:t>2016-06-10</a:t>
+              <a:t>2016-06-11</a:t>
             </a:fld>
             <a:endParaRPr lang="ko-KR" altLang="en-US" dirty="0"/>
           </a:p>
@@ -4485,7 +4486,7 @@
             <a:fld id="{224421E0-224F-45CD-9B6E-99E23DA5F314}" type="datetimeFigureOut">
               <a:rPr lang="ko-KR" altLang="en-US" smtClean="0"/>
               <a:pPr/>
-              <a:t>2016-06-10</a:t>
+              <a:t>2016-06-11</a:t>
             </a:fld>
             <a:endParaRPr lang="ko-KR" altLang="en-US" dirty="0"/>
           </a:p>
@@ -4700,7 +4701,7 @@
             <a:fld id="{224421E0-224F-45CD-9B6E-99E23DA5F314}" type="datetimeFigureOut">
               <a:rPr lang="ko-KR" altLang="en-US" smtClean="0"/>
               <a:pPr/>
-              <a:t>2016-06-10</a:t>
+              <a:t>2016-06-11</a:t>
             </a:fld>
             <a:endParaRPr lang="ko-KR" altLang="en-US" dirty="0"/>
           </a:p>
@@ -7938,7 +7939,7 @@
                   </a:schemeClr>
                 </a:solidFill>
               </a:rPr>
-              <a:t>-C#</a:t>
+              <a:t>-Homepage server from some.com</a:t>
             </a:r>
             <a:endParaRPr lang="ko-KR" altLang="en-US" sz="2000" dirty="0">
               <a:solidFill>
@@ -7968,7 +7969,7 @@
         <p:spPr>
           <a:xfrm>
             <a:off x="1080000" y="1620000"/>
-            <a:ext cx="7560000" cy="4071375"/>
+            <a:ext cx="7560000" cy="4067437"/>
           </a:xfrm>
           <a:prstGeom prst="rect">
             <a:avLst/>
@@ -7978,7 +7979,7 @@
     </p:spTree>
     <p:extLst>
       <p:ext uri="{BB962C8B-B14F-4D97-AF65-F5344CB8AC3E}">
-        <p14:creationId xmlns:p14="http://schemas.microsoft.com/office/powerpoint/2010/main" val="789422104"/>
+        <p14:creationId xmlns:p14="http://schemas.microsoft.com/office/powerpoint/2010/main" val="1027534787"/>
       </p:ext>
     </p:extLst>
   </p:cSld>
@@ -8410,7 +8411,7 @@
                   </a:schemeClr>
                 </a:solidFill>
               </a:rPr>
-              <a:t>-Homepage builder</a:t>
+              <a:t>-HTML for server design</a:t>
             </a:r>
             <a:endParaRPr lang="ko-KR" altLang="en-US" sz="2000" dirty="0">
               <a:solidFill>
@@ -8425,9 +8426,9 @@
       </p:sp>
       <p:pic>
         <p:nvPicPr>
-          <p:cNvPr id="2" name="그림 1"/>
+          <p:cNvPr id="4" name="그림 3"/>
           <p:cNvPicPr>
-            <a:picLocks noChangeAspect="1"/>
+            <a:picLocks/>
           </p:cNvPicPr>
           <p:nvPr/>
         </p:nvPicPr>
@@ -8440,7 +8441,7 @@
         <p:spPr>
           <a:xfrm>
             <a:off x="1080000" y="1620000"/>
-            <a:ext cx="7560000" cy="4067437"/>
+            <a:ext cx="7560000" cy="3960000"/>
           </a:xfrm>
           <a:prstGeom prst="rect">
             <a:avLst/>
@@ -8450,7 +8451,7 @@
     </p:spTree>
     <p:extLst>
       <p:ext uri="{BB962C8B-B14F-4D97-AF65-F5344CB8AC3E}">
-        <p14:creationId xmlns:p14="http://schemas.microsoft.com/office/powerpoint/2010/main" val="1027534787"/>
+        <p14:creationId xmlns:p14="http://schemas.microsoft.com/office/powerpoint/2010/main" val="789422104"/>
       </p:ext>
     </p:extLst>
   </p:cSld>
@@ -8882,7 +8883,7 @@
                   </a:schemeClr>
                 </a:solidFill>
               </a:rPr>
-              <a:t>-Java script</a:t>
+              <a:t>-C# for sever tag &amp; database access</a:t>
             </a:r>
             <a:endParaRPr lang="ko-KR" altLang="en-US" sz="2000" dirty="0">
               <a:solidFill>
@@ -8897,49 +8898,32 @@
       </p:sp>
       <p:pic>
         <p:nvPicPr>
-          <p:cNvPr id="1026" name="Picture 2" descr="https://mochajs.org/images/reporter-doc.png"/>
+          <p:cNvPr id="2" name="그림 1"/>
           <p:cNvPicPr>
-            <a:picLocks noChangeAspect="1" noChangeArrowheads="1"/>
+            <a:picLocks noChangeAspect="1"/>
           </p:cNvPicPr>
           <p:nvPr/>
         </p:nvPicPr>
         <p:blipFill>
-          <a:blip r:embed="rId2">
-            <a:extLst>
-              <a:ext uri="{28A0092B-C50C-407E-A947-70E740481C1C}">
-                <a14:useLocalDpi xmlns:a14="http://schemas.microsoft.com/office/drawing/2010/main" val="0"/>
-              </a:ext>
-            </a:extLst>
-          </a:blip>
-          <a:srcRect/>
+          <a:blip r:embed="rId2"/>
           <a:stretch>
             <a:fillRect/>
           </a:stretch>
         </p:blipFill>
-        <p:spPr bwMode="auto">
+        <p:spPr>
           <a:xfrm>
             <a:off x="1080000" y="1620000"/>
-            <a:ext cx="7560000" cy="4606876"/>
+            <a:ext cx="7560000" cy="4071375"/>
           </a:xfrm>
           <a:prstGeom prst="rect">
             <a:avLst/>
           </a:prstGeom>
-          <a:noFill/>
-          <a:extLst>
-            <a:ext uri="{909E8E84-426E-40DD-AFC4-6F175D3DCCD1}">
-              <a14:hiddenFill xmlns:a14="http://schemas.microsoft.com/office/drawing/2010/main">
-                <a:solidFill>
-                  <a:srgbClr val="FFFFFF"/>
-                </a:solidFill>
-              </a14:hiddenFill>
-            </a:ext>
-          </a:extLst>
         </p:spPr>
       </p:pic>
     </p:spTree>
     <p:extLst>
       <p:ext uri="{BB962C8B-B14F-4D97-AF65-F5344CB8AC3E}">
-        <p14:creationId xmlns:p14="http://schemas.microsoft.com/office/powerpoint/2010/main" val="624757689"/>
+        <p14:creationId xmlns:p14="http://schemas.microsoft.com/office/powerpoint/2010/main" val="3694231062"/>
       </p:ext>
     </p:extLst>
   </p:cSld>
@@ -9371,7 +9355,7 @@
                   </a:schemeClr>
                 </a:solidFill>
               </a:rPr>
-              <a:t>-SQL Server Profiler</a:t>
+              <a:t>-SQL Server for Databases</a:t>
             </a:r>
             <a:endParaRPr lang="ko-KR" altLang="en-US" sz="2000" dirty="0">
               <a:solidFill>
@@ -9438,6 +9422,514 @@
           <a:chExt cx="0" cy="0"/>
         </a:xfrm>
       </p:grpSpPr>
+      <p:sp>
+        <p:nvSpPr>
+          <p:cNvPr id="25" name="부제목 2"/>
+          <p:cNvSpPr txBox="1">
+            <a:spLocks/>
+          </p:cNvSpPr>
+          <p:nvPr/>
+        </p:nvSpPr>
+        <p:spPr>
+          <a:xfrm>
+            <a:off x="344488" y="332656"/>
+            <a:ext cx="3168352" cy="288032"/>
+          </a:xfrm>
+          <a:prstGeom prst="rect">
+            <a:avLst/>
+          </a:prstGeom>
+        </p:spPr>
+        <p:txBody>
+          <a:bodyPr vert="horz" lIns="91440" tIns="0" rIns="91440" bIns="45720" rtlCol="0">
+            <a:noAutofit/>
+          </a:bodyPr>
+          <a:lstStyle>
+            <a:lvl1pPr marL="0" indent="0" algn="ctr" defTabSz="914400" rtl="0" eaLnBrk="1" latinLnBrk="1" hangingPunct="1">
+              <a:lnSpc>
+                <a:spcPct val="90000"/>
+              </a:lnSpc>
+              <a:spcBef>
+                <a:spcPts val="1000"/>
+              </a:spcBef>
+              <a:buFont typeface="Arial" panose="020B0604020202020204" pitchFamily="34" charset="0"/>
+              <a:buNone/>
+              <a:defRPr sz="2400" kern="1200">
+                <a:solidFill>
+                  <a:schemeClr val="tx1"/>
+                </a:solidFill>
+                <a:latin typeface="+mn-lt"/>
+                <a:ea typeface="+mn-ea"/>
+                <a:cs typeface="+mn-cs"/>
+              </a:defRPr>
+            </a:lvl1pPr>
+            <a:lvl2pPr marL="457200" indent="0" algn="ctr" defTabSz="914400" rtl="0" eaLnBrk="1" latinLnBrk="1" hangingPunct="1">
+              <a:lnSpc>
+                <a:spcPct val="90000"/>
+              </a:lnSpc>
+              <a:spcBef>
+                <a:spcPts val="500"/>
+              </a:spcBef>
+              <a:buFont typeface="Arial" panose="020B0604020202020204" pitchFamily="34" charset="0"/>
+              <a:buNone/>
+              <a:defRPr sz="2000" kern="1200">
+                <a:solidFill>
+                  <a:schemeClr val="tx1"/>
+                </a:solidFill>
+                <a:latin typeface="+mn-lt"/>
+                <a:ea typeface="+mn-ea"/>
+                <a:cs typeface="+mn-cs"/>
+              </a:defRPr>
+            </a:lvl2pPr>
+            <a:lvl3pPr marL="914400" indent="0" algn="ctr" defTabSz="914400" rtl="0" eaLnBrk="1" latinLnBrk="1" hangingPunct="1">
+              <a:lnSpc>
+                <a:spcPct val="90000"/>
+              </a:lnSpc>
+              <a:spcBef>
+                <a:spcPts val="500"/>
+              </a:spcBef>
+              <a:buFont typeface="Arial" panose="020B0604020202020204" pitchFamily="34" charset="0"/>
+              <a:buNone/>
+              <a:defRPr sz="1800" kern="1200">
+                <a:solidFill>
+                  <a:schemeClr val="tx1"/>
+                </a:solidFill>
+                <a:latin typeface="+mn-lt"/>
+                <a:ea typeface="+mn-ea"/>
+                <a:cs typeface="+mn-cs"/>
+              </a:defRPr>
+            </a:lvl3pPr>
+            <a:lvl4pPr marL="1371600" indent="0" algn="ctr" defTabSz="914400" rtl="0" eaLnBrk="1" latinLnBrk="1" hangingPunct="1">
+              <a:lnSpc>
+                <a:spcPct val="90000"/>
+              </a:lnSpc>
+              <a:spcBef>
+                <a:spcPts val="500"/>
+              </a:spcBef>
+              <a:buFont typeface="Arial" panose="020B0604020202020204" pitchFamily="34" charset="0"/>
+              <a:buNone/>
+              <a:defRPr sz="1600" kern="1200">
+                <a:solidFill>
+                  <a:schemeClr val="tx1"/>
+                </a:solidFill>
+                <a:latin typeface="+mn-lt"/>
+                <a:ea typeface="+mn-ea"/>
+                <a:cs typeface="+mn-cs"/>
+              </a:defRPr>
+            </a:lvl4pPr>
+            <a:lvl5pPr marL="1828800" indent="0" algn="ctr" defTabSz="914400" rtl="0" eaLnBrk="1" latinLnBrk="1" hangingPunct="1">
+              <a:lnSpc>
+                <a:spcPct val="90000"/>
+              </a:lnSpc>
+              <a:spcBef>
+                <a:spcPts val="500"/>
+              </a:spcBef>
+              <a:buFont typeface="Arial" panose="020B0604020202020204" pitchFamily="34" charset="0"/>
+              <a:buNone/>
+              <a:defRPr sz="1600" kern="1200">
+                <a:solidFill>
+                  <a:schemeClr val="tx1"/>
+                </a:solidFill>
+                <a:latin typeface="+mn-lt"/>
+                <a:ea typeface="+mn-ea"/>
+                <a:cs typeface="+mn-cs"/>
+              </a:defRPr>
+            </a:lvl5pPr>
+            <a:lvl6pPr marL="2286000" indent="0" algn="ctr" defTabSz="914400" rtl="0" eaLnBrk="1" latinLnBrk="1" hangingPunct="1">
+              <a:lnSpc>
+                <a:spcPct val="90000"/>
+              </a:lnSpc>
+              <a:spcBef>
+                <a:spcPts val="500"/>
+              </a:spcBef>
+              <a:buFont typeface="Arial" panose="020B0604020202020204" pitchFamily="34" charset="0"/>
+              <a:buNone/>
+              <a:defRPr sz="1600" kern="1200">
+                <a:solidFill>
+                  <a:schemeClr val="tx1"/>
+                </a:solidFill>
+                <a:latin typeface="+mn-lt"/>
+                <a:ea typeface="+mn-ea"/>
+                <a:cs typeface="+mn-cs"/>
+              </a:defRPr>
+            </a:lvl6pPr>
+            <a:lvl7pPr marL="2743200" indent="0" algn="ctr" defTabSz="914400" rtl="0" eaLnBrk="1" latinLnBrk="1" hangingPunct="1">
+              <a:lnSpc>
+                <a:spcPct val="90000"/>
+              </a:lnSpc>
+              <a:spcBef>
+                <a:spcPts val="500"/>
+              </a:spcBef>
+              <a:buFont typeface="Arial" panose="020B0604020202020204" pitchFamily="34" charset="0"/>
+              <a:buNone/>
+              <a:defRPr sz="1600" kern="1200">
+                <a:solidFill>
+                  <a:schemeClr val="tx1"/>
+                </a:solidFill>
+                <a:latin typeface="+mn-lt"/>
+                <a:ea typeface="+mn-ea"/>
+                <a:cs typeface="+mn-cs"/>
+              </a:defRPr>
+            </a:lvl7pPr>
+            <a:lvl8pPr marL="3200400" indent="0" algn="ctr" defTabSz="914400" rtl="0" eaLnBrk="1" latinLnBrk="1" hangingPunct="1">
+              <a:lnSpc>
+                <a:spcPct val="90000"/>
+              </a:lnSpc>
+              <a:spcBef>
+                <a:spcPts val="500"/>
+              </a:spcBef>
+              <a:buFont typeface="Arial" panose="020B0604020202020204" pitchFamily="34" charset="0"/>
+              <a:buNone/>
+              <a:defRPr sz="1600" kern="1200">
+                <a:solidFill>
+                  <a:schemeClr val="tx1"/>
+                </a:solidFill>
+                <a:latin typeface="+mn-lt"/>
+                <a:ea typeface="+mn-ea"/>
+                <a:cs typeface="+mn-cs"/>
+              </a:defRPr>
+            </a:lvl8pPr>
+            <a:lvl9pPr marL="3657600" indent="0" algn="ctr" defTabSz="914400" rtl="0" eaLnBrk="1" latinLnBrk="1" hangingPunct="1">
+              <a:lnSpc>
+                <a:spcPct val="90000"/>
+              </a:lnSpc>
+              <a:spcBef>
+                <a:spcPts val="500"/>
+              </a:spcBef>
+              <a:buFont typeface="Arial" panose="020B0604020202020204" pitchFamily="34" charset="0"/>
+              <a:buNone/>
+              <a:defRPr sz="1600" kern="1200">
+                <a:solidFill>
+                  <a:schemeClr val="tx1"/>
+                </a:solidFill>
+                <a:latin typeface="+mn-lt"/>
+                <a:ea typeface="+mn-ea"/>
+                <a:cs typeface="+mn-cs"/>
+              </a:defRPr>
+            </a:lvl9pPr>
+          </a:lstStyle>
+          <a:p>
+            <a:pPr algn="l"/>
+            <a:r>
+              <a:rPr lang="en-US" altLang="ko-KR" sz="2800" dirty="0">
+                <a:solidFill>
+                  <a:schemeClr val="tx1">
+                    <a:lumMod val="75000"/>
+                    <a:lumOff val="25000"/>
+                  </a:schemeClr>
+                </a:solidFill>
+              </a:rPr>
+              <a:t>Based Program</a:t>
+            </a:r>
+            <a:endParaRPr lang="ko-KR" altLang="en-US" sz="2800" dirty="0">
+              <a:solidFill>
+                <a:schemeClr val="tx1">
+                  <a:lumMod val="75000"/>
+                  <a:lumOff val="25000"/>
+                </a:schemeClr>
+              </a:solidFill>
+            </a:endParaRPr>
+          </a:p>
+        </p:txBody>
+      </p:sp>
+      <p:sp>
+        <p:nvSpPr>
+          <p:cNvPr id="26" name="부제목 2"/>
+          <p:cNvSpPr txBox="1">
+            <a:spLocks/>
+          </p:cNvSpPr>
+          <p:nvPr/>
+        </p:nvSpPr>
+        <p:spPr>
+          <a:xfrm>
+            <a:off x="989913" y="764704"/>
+            <a:ext cx="4275893" cy="219484"/>
+          </a:xfrm>
+          <a:prstGeom prst="rect">
+            <a:avLst/>
+          </a:prstGeom>
+        </p:spPr>
+        <p:txBody>
+          <a:bodyPr vert="horz" lIns="91440" tIns="0" rIns="91440" bIns="45720" rtlCol="0">
+            <a:noAutofit/>
+          </a:bodyPr>
+          <a:lstStyle>
+            <a:lvl1pPr marL="0" indent="0" algn="ctr" defTabSz="914400" rtl="0" eaLnBrk="1" latinLnBrk="1" hangingPunct="1">
+              <a:lnSpc>
+                <a:spcPct val="90000"/>
+              </a:lnSpc>
+              <a:spcBef>
+                <a:spcPts val="1000"/>
+              </a:spcBef>
+              <a:buFont typeface="Arial" panose="020B0604020202020204" pitchFamily="34" charset="0"/>
+              <a:buNone/>
+              <a:defRPr sz="2400" kern="1200">
+                <a:solidFill>
+                  <a:schemeClr val="tx1"/>
+                </a:solidFill>
+                <a:latin typeface="+mn-lt"/>
+                <a:ea typeface="+mn-ea"/>
+                <a:cs typeface="+mn-cs"/>
+              </a:defRPr>
+            </a:lvl1pPr>
+            <a:lvl2pPr marL="457200" indent="0" algn="ctr" defTabSz="914400" rtl="0" eaLnBrk="1" latinLnBrk="1" hangingPunct="1">
+              <a:lnSpc>
+                <a:spcPct val="90000"/>
+              </a:lnSpc>
+              <a:spcBef>
+                <a:spcPts val="500"/>
+              </a:spcBef>
+              <a:buFont typeface="Arial" panose="020B0604020202020204" pitchFamily="34" charset="0"/>
+              <a:buNone/>
+              <a:defRPr sz="2000" kern="1200">
+                <a:solidFill>
+                  <a:schemeClr val="tx1"/>
+                </a:solidFill>
+                <a:latin typeface="+mn-lt"/>
+                <a:ea typeface="+mn-ea"/>
+                <a:cs typeface="+mn-cs"/>
+              </a:defRPr>
+            </a:lvl2pPr>
+            <a:lvl3pPr marL="914400" indent="0" algn="ctr" defTabSz="914400" rtl="0" eaLnBrk="1" latinLnBrk="1" hangingPunct="1">
+              <a:lnSpc>
+                <a:spcPct val="90000"/>
+              </a:lnSpc>
+              <a:spcBef>
+                <a:spcPts val="500"/>
+              </a:spcBef>
+              <a:buFont typeface="Arial" panose="020B0604020202020204" pitchFamily="34" charset="0"/>
+              <a:buNone/>
+              <a:defRPr sz="1800" kern="1200">
+                <a:solidFill>
+                  <a:schemeClr val="tx1"/>
+                </a:solidFill>
+                <a:latin typeface="+mn-lt"/>
+                <a:ea typeface="+mn-ea"/>
+                <a:cs typeface="+mn-cs"/>
+              </a:defRPr>
+            </a:lvl3pPr>
+            <a:lvl4pPr marL="1371600" indent="0" algn="ctr" defTabSz="914400" rtl="0" eaLnBrk="1" latinLnBrk="1" hangingPunct="1">
+              <a:lnSpc>
+                <a:spcPct val="90000"/>
+              </a:lnSpc>
+              <a:spcBef>
+                <a:spcPts val="500"/>
+              </a:spcBef>
+              <a:buFont typeface="Arial" panose="020B0604020202020204" pitchFamily="34" charset="0"/>
+              <a:buNone/>
+              <a:defRPr sz="1600" kern="1200">
+                <a:solidFill>
+                  <a:schemeClr val="tx1"/>
+                </a:solidFill>
+                <a:latin typeface="+mn-lt"/>
+                <a:ea typeface="+mn-ea"/>
+                <a:cs typeface="+mn-cs"/>
+              </a:defRPr>
+            </a:lvl4pPr>
+            <a:lvl5pPr marL="1828800" indent="0" algn="ctr" defTabSz="914400" rtl="0" eaLnBrk="1" latinLnBrk="1" hangingPunct="1">
+              <a:lnSpc>
+                <a:spcPct val="90000"/>
+              </a:lnSpc>
+              <a:spcBef>
+                <a:spcPts val="500"/>
+              </a:spcBef>
+              <a:buFont typeface="Arial" panose="020B0604020202020204" pitchFamily="34" charset="0"/>
+              <a:buNone/>
+              <a:defRPr sz="1600" kern="1200">
+                <a:solidFill>
+                  <a:schemeClr val="tx1"/>
+                </a:solidFill>
+                <a:latin typeface="+mn-lt"/>
+                <a:ea typeface="+mn-ea"/>
+                <a:cs typeface="+mn-cs"/>
+              </a:defRPr>
+            </a:lvl5pPr>
+            <a:lvl6pPr marL="2286000" indent="0" algn="ctr" defTabSz="914400" rtl="0" eaLnBrk="1" latinLnBrk="1" hangingPunct="1">
+              <a:lnSpc>
+                <a:spcPct val="90000"/>
+              </a:lnSpc>
+              <a:spcBef>
+                <a:spcPts val="500"/>
+              </a:spcBef>
+              <a:buFont typeface="Arial" panose="020B0604020202020204" pitchFamily="34" charset="0"/>
+              <a:buNone/>
+              <a:defRPr sz="1600" kern="1200">
+                <a:solidFill>
+                  <a:schemeClr val="tx1"/>
+                </a:solidFill>
+                <a:latin typeface="+mn-lt"/>
+                <a:ea typeface="+mn-ea"/>
+                <a:cs typeface="+mn-cs"/>
+              </a:defRPr>
+            </a:lvl6pPr>
+            <a:lvl7pPr marL="2743200" indent="0" algn="ctr" defTabSz="914400" rtl="0" eaLnBrk="1" latinLnBrk="1" hangingPunct="1">
+              <a:lnSpc>
+                <a:spcPct val="90000"/>
+              </a:lnSpc>
+              <a:spcBef>
+                <a:spcPts val="500"/>
+              </a:spcBef>
+              <a:buFont typeface="Arial" panose="020B0604020202020204" pitchFamily="34" charset="0"/>
+              <a:buNone/>
+              <a:defRPr sz="1600" kern="1200">
+                <a:solidFill>
+                  <a:schemeClr val="tx1"/>
+                </a:solidFill>
+                <a:latin typeface="+mn-lt"/>
+                <a:ea typeface="+mn-ea"/>
+                <a:cs typeface="+mn-cs"/>
+              </a:defRPr>
+            </a:lvl7pPr>
+            <a:lvl8pPr marL="3200400" indent="0" algn="ctr" defTabSz="914400" rtl="0" eaLnBrk="1" latinLnBrk="1" hangingPunct="1">
+              <a:lnSpc>
+                <a:spcPct val="90000"/>
+              </a:lnSpc>
+              <a:spcBef>
+                <a:spcPts val="500"/>
+              </a:spcBef>
+              <a:buFont typeface="Arial" panose="020B0604020202020204" pitchFamily="34" charset="0"/>
+              <a:buNone/>
+              <a:defRPr sz="1600" kern="1200">
+                <a:solidFill>
+                  <a:schemeClr val="tx1"/>
+                </a:solidFill>
+                <a:latin typeface="+mn-lt"/>
+                <a:ea typeface="+mn-ea"/>
+                <a:cs typeface="+mn-cs"/>
+              </a:defRPr>
+            </a:lvl8pPr>
+            <a:lvl9pPr marL="3657600" indent="0" algn="ctr" defTabSz="914400" rtl="0" eaLnBrk="1" latinLnBrk="1" hangingPunct="1">
+              <a:lnSpc>
+                <a:spcPct val="90000"/>
+              </a:lnSpc>
+              <a:spcBef>
+                <a:spcPts val="500"/>
+              </a:spcBef>
+              <a:buFont typeface="Arial" panose="020B0604020202020204" pitchFamily="34" charset="0"/>
+              <a:buNone/>
+              <a:defRPr sz="1600" kern="1200">
+                <a:solidFill>
+                  <a:schemeClr val="tx1"/>
+                </a:solidFill>
+                <a:latin typeface="+mn-lt"/>
+                <a:ea typeface="+mn-ea"/>
+                <a:cs typeface="+mn-cs"/>
+              </a:defRPr>
+            </a:lvl9pPr>
+          </a:lstStyle>
+          <a:p>
+            <a:pPr algn="l"/>
+            <a:r>
+              <a:rPr lang="en-US" altLang="ko-KR" sz="2000" dirty="0">
+                <a:solidFill>
+                  <a:schemeClr val="tx1">
+                    <a:lumMod val="75000"/>
+                    <a:lumOff val="25000"/>
+                  </a:schemeClr>
+                </a:solidFill>
+              </a:rPr>
+              <a:t>-Java script for sending alert</a:t>
+            </a:r>
+            <a:endParaRPr lang="ko-KR" altLang="en-US" sz="2000" dirty="0">
+              <a:solidFill>
+                <a:schemeClr val="tx1">
+                  <a:lumMod val="75000"/>
+                  <a:lumOff val="25000"/>
+                </a:schemeClr>
+              </a:solidFill>
+            </a:endParaRPr>
+          </a:p>
+        </p:txBody>
+      </p:sp>
+      <p:pic>
+        <p:nvPicPr>
+          <p:cNvPr id="2" name="그림 1"/>
+          <p:cNvPicPr>
+            <a:picLocks/>
+          </p:cNvPicPr>
+          <p:nvPr/>
+        </p:nvPicPr>
+        <p:blipFill>
+          <a:blip r:embed="rId2">
+            <a:extLst>
+              <a:ext uri="{28A0092B-C50C-407E-A947-70E740481C1C}">
+                <a14:useLocalDpi xmlns:a14="http://schemas.microsoft.com/office/drawing/2010/main" val="0"/>
+              </a:ext>
+            </a:extLst>
+          </a:blip>
+          <a:stretch>
+            <a:fillRect/>
+          </a:stretch>
+        </p:blipFill>
+        <p:spPr>
+          <a:xfrm>
+            <a:off x="1080000" y="3779999"/>
+            <a:ext cx="7560000" cy="1800000"/>
+          </a:xfrm>
+          <a:prstGeom prst="rect">
+            <a:avLst/>
+          </a:prstGeom>
+        </p:spPr>
+      </p:pic>
+      <p:pic>
+        <p:nvPicPr>
+          <p:cNvPr id="3" name="그림 2"/>
+          <p:cNvPicPr>
+            <a:picLocks/>
+          </p:cNvPicPr>
+          <p:nvPr/>
+        </p:nvPicPr>
+        <p:blipFill>
+          <a:blip r:embed="rId3">
+            <a:extLst>
+              <a:ext uri="{28A0092B-C50C-407E-A947-70E740481C1C}">
+                <a14:useLocalDpi xmlns:a14="http://schemas.microsoft.com/office/drawing/2010/main" val="0"/>
+              </a:ext>
+            </a:extLst>
+          </a:blip>
+          <a:stretch>
+            <a:fillRect/>
+          </a:stretch>
+        </p:blipFill>
+        <p:spPr>
+          <a:xfrm>
+            <a:off x="1080000" y="1620000"/>
+            <a:ext cx="7560000" cy="1800000"/>
+          </a:xfrm>
+          <a:prstGeom prst="rect">
+            <a:avLst/>
+          </a:prstGeom>
+        </p:spPr>
+      </p:pic>
+    </p:spTree>
+    <p:extLst>
+      <p:ext uri="{BB962C8B-B14F-4D97-AF65-F5344CB8AC3E}">
+        <p14:creationId xmlns:p14="http://schemas.microsoft.com/office/powerpoint/2010/main" val="624757689"/>
+      </p:ext>
+    </p:extLst>
+  </p:cSld>
+  <p:clrMapOvr>
+    <a:masterClrMapping/>
+  </p:clrMapOvr>
+</p:sld>
+</file>
+
+<file path=ppt/slides/slide16.xml><?xml version="1.0" encoding="utf-8"?>
+<p:sld xmlns:a="http://schemas.openxmlformats.org/drawingml/2006/main" xmlns:r="http://schemas.openxmlformats.org/officeDocument/2006/relationships" xmlns:p="http://schemas.openxmlformats.org/presentationml/2006/main">
+  <p:cSld>
+    <p:spTree>
+      <p:nvGrpSpPr>
+        <p:cNvPr id="1" name=""/>
+        <p:cNvGrpSpPr/>
+        <p:nvPr/>
+      </p:nvGrpSpPr>
+      <p:grpSpPr>
+        <a:xfrm>
+          <a:off x="0" y="0"/>
+          <a:ext cx="0" cy="0"/>
+          <a:chOff x="0" y="0"/>
+          <a:chExt cx="0" cy="0"/>
+        </a:xfrm>
+      </p:grpSpPr>
       <p:pic>
         <p:nvPicPr>
           <p:cNvPr id="2" name="그림 1"/>
@@ -9889,7 +10381,7 @@
 </p:sld>
 </file>
 
-<file path=ppt/slides/slide16.xml><?xml version="1.0" encoding="utf-8"?>
+<file path=ppt/slides/slide17.xml><?xml version="1.0" encoding="utf-8"?>
 <p:sld xmlns:a="http://schemas.openxmlformats.org/drawingml/2006/main" xmlns:r="http://schemas.openxmlformats.org/officeDocument/2006/relationships" xmlns:p="http://schemas.openxmlformats.org/presentationml/2006/main">
   <p:cSld>
     <p:spTree>
@@ -10610,7 +11102,7 @@
 </p:sld>
 </file>
 
-<file path=ppt/slides/slide17.xml><?xml version="1.0" encoding="utf-8"?>
+<file path=ppt/slides/slide18.xml><?xml version="1.0" encoding="utf-8"?>
 <p:sld xmlns:a="http://schemas.openxmlformats.org/drawingml/2006/main" xmlns:r="http://schemas.openxmlformats.org/officeDocument/2006/relationships" xmlns:p="http://schemas.openxmlformats.org/presentationml/2006/main">
   <p:cSld>
     <p:spTree>
@@ -11170,7 +11662,7 @@
 </p:sld>
 </file>
 
-<file path=ppt/slides/slide18.xml><?xml version="1.0" encoding="utf-8"?>
+<file path=ppt/slides/slide19.xml><?xml version="1.0" encoding="utf-8"?>
 <p:sld xmlns:a="http://schemas.openxmlformats.org/drawingml/2006/main" xmlns:r="http://schemas.openxmlformats.org/officeDocument/2006/relationships" xmlns:p="http://schemas.openxmlformats.org/presentationml/2006/main">
   <p:cSld>
     <p:spTree>
@@ -11911,7 +12403,367 @@
 </p:sld>
 </file>
 
-<file path=ppt/slides/slide19.xml><?xml version="1.0" encoding="utf-8"?>
+<file path=ppt/slides/slide2.xml><?xml version="1.0" encoding="utf-8"?>
+<p:sld xmlns:a="http://schemas.openxmlformats.org/drawingml/2006/main" xmlns:r="http://schemas.openxmlformats.org/officeDocument/2006/relationships" xmlns:p="http://schemas.openxmlformats.org/presentationml/2006/main">
+  <p:cSld>
+    <p:bg>
+      <p:bgPr>
+        <a:blipFill dpi="0" rotWithShape="1">
+          <a:blip r:embed="rId2">
+            <a:lum/>
+          </a:blip>
+          <a:srcRect/>
+          <a:stretch>
+            <a:fillRect/>
+          </a:stretch>
+        </a:blipFill>
+        <a:effectLst/>
+      </p:bgPr>
+    </p:bg>
+    <p:spTree>
+      <p:nvGrpSpPr>
+        <p:cNvPr id="1" name=""/>
+        <p:cNvGrpSpPr/>
+        <p:nvPr/>
+      </p:nvGrpSpPr>
+      <p:grpSpPr>
+        <a:xfrm>
+          <a:off x="0" y="0"/>
+          <a:ext cx="0" cy="0"/>
+          <a:chOff x="0" y="0"/>
+          <a:chExt cx="0" cy="0"/>
+        </a:xfrm>
+      </p:grpSpPr>
+      <p:sp>
+        <p:nvSpPr>
+          <p:cNvPr id="6" name="부제목 2"/>
+          <p:cNvSpPr>
+            <a:spLocks noGrp="1"/>
+          </p:cNvSpPr>
+          <p:nvPr>
+            <p:ph type="subTitle" idx="1"/>
+          </p:nvPr>
+        </p:nvSpPr>
+        <p:spPr>
+          <a:xfrm>
+            <a:off x="6564702" y="1236187"/>
+            <a:ext cx="3341298" cy="1760765"/>
+          </a:xfrm>
+        </p:spPr>
+        <p:txBody>
+          <a:bodyPr tIns="0">
+            <a:normAutofit/>
+          </a:bodyPr>
+          <a:lstStyle/>
+          <a:p>
+            <a:pPr marL="285750" indent="-285750" algn="l">
+              <a:buFontTx/>
+              <a:buChar char="-"/>
+            </a:pPr>
+            <a:r>
+              <a:rPr lang="en-US" altLang="ko-KR" sz="1800" dirty="0">
+                <a:solidFill>
+                  <a:schemeClr val="tx1">
+                    <a:lumMod val="75000"/>
+                    <a:lumOff val="25000"/>
+                  </a:schemeClr>
+                </a:solidFill>
+                <a:latin typeface="+mn-ea"/>
+              </a:rPr>
+              <a:t>System purpose</a:t>
+            </a:r>
+          </a:p>
+          <a:p>
+            <a:pPr marL="285750" indent="-285750" algn="l">
+              <a:buFontTx/>
+              <a:buChar char="-"/>
+            </a:pPr>
+            <a:r>
+              <a:rPr lang="en-US" altLang="ko-KR" sz="1800" dirty="0">
+                <a:solidFill>
+                  <a:schemeClr val="tx1">
+                    <a:lumMod val="75000"/>
+                    <a:lumOff val="25000"/>
+                  </a:schemeClr>
+                </a:solidFill>
+                <a:latin typeface="+mn-ea"/>
+              </a:rPr>
+              <a:t>System Architecture</a:t>
+            </a:r>
+          </a:p>
+          <a:p>
+            <a:pPr marL="285750" indent="-285750" algn="l">
+              <a:buFontTx/>
+              <a:buChar char="-"/>
+            </a:pPr>
+            <a:r>
+              <a:rPr lang="en-US" altLang="ko-KR" sz="1800" dirty="0">
+                <a:solidFill>
+                  <a:schemeClr val="tx1">
+                    <a:lumMod val="75000"/>
+                    <a:lumOff val="25000"/>
+                  </a:schemeClr>
+                </a:solidFill>
+                <a:latin typeface="+mn-ea"/>
+              </a:rPr>
+              <a:t>Based Program</a:t>
+            </a:r>
+          </a:p>
+          <a:p>
+            <a:pPr marL="285750" indent="-285750" algn="l">
+              <a:buFontTx/>
+              <a:buChar char="-"/>
+            </a:pPr>
+            <a:r>
+              <a:rPr lang="en-US" altLang="ko-KR" sz="1800" dirty="0">
+                <a:solidFill>
+                  <a:schemeClr val="tx1">
+                    <a:lumMod val="75000"/>
+                    <a:lumOff val="25000"/>
+                  </a:schemeClr>
+                </a:solidFill>
+                <a:latin typeface="+mn-ea"/>
+              </a:rPr>
+              <a:t>Scenario</a:t>
+            </a:r>
+          </a:p>
+          <a:p>
+            <a:pPr algn="l"/>
+            <a:endParaRPr lang="en-US" altLang="ko-KR" sz="1800" dirty="0">
+              <a:solidFill>
+                <a:schemeClr val="tx1">
+                  <a:lumMod val="75000"/>
+                  <a:lumOff val="25000"/>
+                </a:schemeClr>
+              </a:solidFill>
+              <a:latin typeface="+mn-ea"/>
+            </a:endParaRPr>
+          </a:p>
+        </p:txBody>
+      </p:sp>
+      <p:sp>
+        <p:nvSpPr>
+          <p:cNvPr id="7" name="부제목 2"/>
+          <p:cNvSpPr txBox="1">
+            <a:spLocks/>
+          </p:cNvSpPr>
+          <p:nvPr/>
+        </p:nvSpPr>
+        <p:spPr>
+          <a:xfrm>
+            <a:off x="6564702" y="682791"/>
+            <a:ext cx="2103048" cy="261403"/>
+          </a:xfrm>
+          <a:prstGeom prst="rect">
+            <a:avLst/>
+          </a:prstGeom>
+        </p:spPr>
+        <p:txBody>
+          <a:bodyPr vert="horz" lIns="91440" tIns="0" rIns="91440" bIns="45720" rtlCol="0">
+            <a:noAutofit/>
+          </a:bodyPr>
+          <a:lstStyle>
+            <a:lvl1pPr marL="0" indent="0" algn="ctr" defTabSz="914400" rtl="0" eaLnBrk="1" latinLnBrk="1" hangingPunct="1">
+              <a:lnSpc>
+                <a:spcPct val="90000"/>
+              </a:lnSpc>
+              <a:spcBef>
+                <a:spcPts val="1000"/>
+              </a:spcBef>
+              <a:buFont typeface="Arial" panose="020B0604020202020204" pitchFamily="34" charset="0"/>
+              <a:buNone/>
+              <a:defRPr sz="2400" kern="1200">
+                <a:solidFill>
+                  <a:schemeClr val="tx1"/>
+                </a:solidFill>
+                <a:latin typeface="+mn-lt"/>
+                <a:ea typeface="+mn-ea"/>
+                <a:cs typeface="+mn-cs"/>
+              </a:defRPr>
+            </a:lvl1pPr>
+            <a:lvl2pPr marL="457200" indent="0" algn="ctr" defTabSz="914400" rtl="0" eaLnBrk="1" latinLnBrk="1" hangingPunct="1">
+              <a:lnSpc>
+                <a:spcPct val="90000"/>
+              </a:lnSpc>
+              <a:spcBef>
+                <a:spcPts val="500"/>
+              </a:spcBef>
+              <a:buFont typeface="Arial" panose="020B0604020202020204" pitchFamily="34" charset="0"/>
+              <a:buNone/>
+              <a:defRPr sz="2000" kern="1200">
+                <a:solidFill>
+                  <a:schemeClr val="tx1"/>
+                </a:solidFill>
+                <a:latin typeface="+mn-lt"/>
+                <a:ea typeface="+mn-ea"/>
+                <a:cs typeface="+mn-cs"/>
+              </a:defRPr>
+            </a:lvl2pPr>
+            <a:lvl3pPr marL="914400" indent="0" algn="ctr" defTabSz="914400" rtl="0" eaLnBrk="1" latinLnBrk="1" hangingPunct="1">
+              <a:lnSpc>
+                <a:spcPct val="90000"/>
+              </a:lnSpc>
+              <a:spcBef>
+                <a:spcPts val="500"/>
+              </a:spcBef>
+              <a:buFont typeface="Arial" panose="020B0604020202020204" pitchFamily="34" charset="0"/>
+              <a:buNone/>
+              <a:defRPr sz="1800" kern="1200">
+                <a:solidFill>
+                  <a:schemeClr val="tx1"/>
+                </a:solidFill>
+                <a:latin typeface="+mn-lt"/>
+                <a:ea typeface="+mn-ea"/>
+                <a:cs typeface="+mn-cs"/>
+              </a:defRPr>
+            </a:lvl3pPr>
+            <a:lvl4pPr marL="1371600" indent="0" algn="ctr" defTabSz="914400" rtl="0" eaLnBrk="1" latinLnBrk="1" hangingPunct="1">
+              <a:lnSpc>
+                <a:spcPct val="90000"/>
+              </a:lnSpc>
+              <a:spcBef>
+                <a:spcPts val="500"/>
+              </a:spcBef>
+              <a:buFont typeface="Arial" panose="020B0604020202020204" pitchFamily="34" charset="0"/>
+              <a:buNone/>
+              <a:defRPr sz="1600" kern="1200">
+                <a:solidFill>
+                  <a:schemeClr val="tx1"/>
+                </a:solidFill>
+                <a:latin typeface="+mn-lt"/>
+                <a:ea typeface="+mn-ea"/>
+                <a:cs typeface="+mn-cs"/>
+              </a:defRPr>
+            </a:lvl4pPr>
+            <a:lvl5pPr marL="1828800" indent="0" algn="ctr" defTabSz="914400" rtl="0" eaLnBrk="1" latinLnBrk="1" hangingPunct="1">
+              <a:lnSpc>
+                <a:spcPct val="90000"/>
+              </a:lnSpc>
+              <a:spcBef>
+                <a:spcPts val="500"/>
+              </a:spcBef>
+              <a:buFont typeface="Arial" panose="020B0604020202020204" pitchFamily="34" charset="0"/>
+              <a:buNone/>
+              <a:defRPr sz="1600" kern="1200">
+                <a:solidFill>
+                  <a:schemeClr val="tx1"/>
+                </a:solidFill>
+                <a:latin typeface="+mn-lt"/>
+                <a:ea typeface="+mn-ea"/>
+                <a:cs typeface="+mn-cs"/>
+              </a:defRPr>
+            </a:lvl5pPr>
+            <a:lvl6pPr marL="2286000" indent="0" algn="ctr" defTabSz="914400" rtl="0" eaLnBrk="1" latinLnBrk="1" hangingPunct="1">
+              <a:lnSpc>
+                <a:spcPct val="90000"/>
+              </a:lnSpc>
+              <a:spcBef>
+                <a:spcPts val="500"/>
+              </a:spcBef>
+              <a:buFont typeface="Arial" panose="020B0604020202020204" pitchFamily="34" charset="0"/>
+              <a:buNone/>
+              <a:defRPr sz="1600" kern="1200">
+                <a:solidFill>
+                  <a:schemeClr val="tx1"/>
+                </a:solidFill>
+                <a:latin typeface="+mn-lt"/>
+                <a:ea typeface="+mn-ea"/>
+                <a:cs typeface="+mn-cs"/>
+              </a:defRPr>
+            </a:lvl6pPr>
+            <a:lvl7pPr marL="2743200" indent="0" algn="ctr" defTabSz="914400" rtl="0" eaLnBrk="1" latinLnBrk="1" hangingPunct="1">
+              <a:lnSpc>
+                <a:spcPct val="90000"/>
+              </a:lnSpc>
+              <a:spcBef>
+                <a:spcPts val="500"/>
+              </a:spcBef>
+              <a:buFont typeface="Arial" panose="020B0604020202020204" pitchFamily="34" charset="0"/>
+              <a:buNone/>
+              <a:defRPr sz="1600" kern="1200">
+                <a:solidFill>
+                  <a:schemeClr val="tx1"/>
+                </a:solidFill>
+                <a:latin typeface="+mn-lt"/>
+                <a:ea typeface="+mn-ea"/>
+                <a:cs typeface="+mn-cs"/>
+              </a:defRPr>
+            </a:lvl7pPr>
+            <a:lvl8pPr marL="3200400" indent="0" algn="ctr" defTabSz="914400" rtl="0" eaLnBrk="1" latinLnBrk="1" hangingPunct="1">
+              <a:lnSpc>
+                <a:spcPct val="90000"/>
+              </a:lnSpc>
+              <a:spcBef>
+                <a:spcPts val="500"/>
+              </a:spcBef>
+              <a:buFont typeface="Arial" panose="020B0604020202020204" pitchFamily="34" charset="0"/>
+              <a:buNone/>
+              <a:defRPr sz="1600" kern="1200">
+                <a:solidFill>
+                  <a:schemeClr val="tx1"/>
+                </a:solidFill>
+                <a:latin typeface="+mn-lt"/>
+                <a:ea typeface="+mn-ea"/>
+                <a:cs typeface="+mn-cs"/>
+              </a:defRPr>
+            </a:lvl8pPr>
+            <a:lvl9pPr marL="3657600" indent="0" algn="ctr" defTabSz="914400" rtl="0" eaLnBrk="1" latinLnBrk="1" hangingPunct="1">
+              <a:lnSpc>
+                <a:spcPct val="90000"/>
+              </a:lnSpc>
+              <a:spcBef>
+                <a:spcPts val="500"/>
+              </a:spcBef>
+              <a:buFont typeface="Arial" panose="020B0604020202020204" pitchFamily="34" charset="0"/>
+              <a:buNone/>
+              <a:defRPr sz="1600" kern="1200">
+                <a:solidFill>
+                  <a:schemeClr val="tx1"/>
+                </a:solidFill>
+                <a:latin typeface="+mn-lt"/>
+                <a:ea typeface="+mn-ea"/>
+                <a:cs typeface="+mn-cs"/>
+              </a:defRPr>
+            </a:lvl9pPr>
+          </a:lstStyle>
+          <a:p>
+            <a:pPr algn="l"/>
+            <a:r>
+              <a:rPr lang="en-US" altLang="ko-KR" sz="2800" dirty="0">
+                <a:solidFill>
+                  <a:schemeClr val="tx1">
+                    <a:lumMod val="75000"/>
+                    <a:lumOff val="25000"/>
+                  </a:schemeClr>
+                </a:solidFill>
+              </a:rPr>
+              <a:t>Contents</a:t>
+            </a:r>
+            <a:endParaRPr lang="ko-KR" altLang="en-US" sz="2800" dirty="0">
+              <a:solidFill>
+                <a:schemeClr val="tx1">
+                  <a:lumMod val="75000"/>
+                  <a:lumOff val="25000"/>
+                </a:schemeClr>
+              </a:solidFill>
+            </a:endParaRPr>
+          </a:p>
+        </p:txBody>
+      </p:sp>
+    </p:spTree>
+    <p:extLst>
+      <p:ext uri="{BB962C8B-B14F-4D97-AF65-F5344CB8AC3E}">
+        <p14:creationId xmlns:p14="http://schemas.microsoft.com/office/powerpoint/2010/main" val="2536688729"/>
+      </p:ext>
+    </p:extLst>
+  </p:cSld>
+  <p:clrMapOvr>
+    <a:masterClrMapping/>
+  </p:clrMapOvr>
+</p:sld>
+</file>
+
+<file path=ppt/slides/slide20.xml><?xml version="1.0" encoding="utf-8"?>
 <p:sld xmlns:a="http://schemas.openxmlformats.org/drawingml/2006/main" xmlns:r="http://schemas.openxmlformats.org/officeDocument/2006/relationships" xmlns:p="http://schemas.openxmlformats.org/presentationml/2006/main">
   <p:cSld>
     <p:spTree>
@@ -12632,367 +13484,7 @@
 </p:sld>
 </file>
 
-<file path=ppt/slides/slide2.xml><?xml version="1.0" encoding="utf-8"?>
-<p:sld xmlns:a="http://schemas.openxmlformats.org/drawingml/2006/main" xmlns:r="http://schemas.openxmlformats.org/officeDocument/2006/relationships" xmlns:p="http://schemas.openxmlformats.org/presentationml/2006/main">
-  <p:cSld>
-    <p:bg>
-      <p:bgPr>
-        <a:blipFill dpi="0" rotWithShape="1">
-          <a:blip r:embed="rId2">
-            <a:lum/>
-          </a:blip>
-          <a:srcRect/>
-          <a:stretch>
-            <a:fillRect/>
-          </a:stretch>
-        </a:blipFill>
-        <a:effectLst/>
-      </p:bgPr>
-    </p:bg>
-    <p:spTree>
-      <p:nvGrpSpPr>
-        <p:cNvPr id="1" name=""/>
-        <p:cNvGrpSpPr/>
-        <p:nvPr/>
-      </p:nvGrpSpPr>
-      <p:grpSpPr>
-        <a:xfrm>
-          <a:off x="0" y="0"/>
-          <a:ext cx="0" cy="0"/>
-          <a:chOff x="0" y="0"/>
-          <a:chExt cx="0" cy="0"/>
-        </a:xfrm>
-      </p:grpSpPr>
-      <p:sp>
-        <p:nvSpPr>
-          <p:cNvPr id="6" name="부제목 2"/>
-          <p:cNvSpPr>
-            <a:spLocks noGrp="1"/>
-          </p:cNvSpPr>
-          <p:nvPr>
-            <p:ph type="subTitle" idx="1"/>
-          </p:nvPr>
-        </p:nvSpPr>
-        <p:spPr>
-          <a:xfrm>
-            <a:off x="6564702" y="1236187"/>
-            <a:ext cx="3341298" cy="1760765"/>
-          </a:xfrm>
-        </p:spPr>
-        <p:txBody>
-          <a:bodyPr tIns="0">
-            <a:normAutofit/>
-          </a:bodyPr>
-          <a:lstStyle/>
-          <a:p>
-            <a:pPr marL="285750" indent="-285750" algn="l">
-              <a:buFontTx/>
-              <a:buChar char="-"/>
-            </a:pPr>
-            <a:r>
-              <a:rPr lang="en-US" altLang="ko-KR" sz="1800" dirty="0">
-                <a:solidFill>
-                  <a:schemeClr val="tx1">
-                    <a:lumMod val="75000"/>
-                    <a:lumOff val="25000"/>
-                  </a:schemeClr>
-                </a:solidFill>
-                <a:latin typeface="+mn-ea"/>
-              </a:rPr>
-              <a:t>System purpose</a:t>
-            </a:r>
-          </a:p>
-          <a:p>
-            <a:pPr marL="285750" indent="-285750" algn="l">
-              <a:buFontTx/>
-              <a:buChar char="-"/>
-            </a:pPr>
-            <a:r>
-              <a:rPr lang="en-US" altLang="ko-KR" sz="1800" dirty="0">
-                <a:solidFill>
-                  <a:schemeClr val="tx1">
-                    <a:lumMod val="75000"/>
-                    <a:lumOff val="25000"/>
-                  </a:schemeClr>
-                </a:solidFill>
-                <a:latin typeface="+mn-ea"/>
-              </a:rPr>
-              <a:t>System Architecture</a:t>
-            </a:r>
-          </a:p>
-          <a:p>
-            <a:pPr marL="285750" indent="-285750" algn="l">
-              <a:buFontTx/>
-              <a:buChar char="-"/>
-            </a:pPr>
-            <a:r>
-              <a:rPr lang="en-US" altLang="ko-KR" sz="1800" dirty="0">
-                <a:solidFill>
-                  <a:schemeClr val="tx1">
-                    <a:lumMod val="75000"/>
-                    <a:lumOff val="25000"/>
-                  </a:schemeClr>
-                </a:solidFill>
-                <a:latin typeface="+mn-ea"/>
-              </a:rPr>
-              <a:t>Based Program</a:t>
-            </a:r>
-          </a:p>
-          <a:p>
-            <a:pPr marL="285750" indent="-285750" algn="l">
-              <a:buFontTx/>
-              <a:buChar char="-"/>
-            </a:pPr>
-            <a:r>
-              <a:rPr lang="en-US" altLang="ko-KR" sz="1800" dirty="0">
-                <a:solidFill>
-                  <a:schemeClr val="tx1">
-                    <a:lumMod val="75000"/>
-                    <a:lumOff val="25000"/>
-                  </a:schemeClr>
-                </a:solidFill>
-                <a:latin typeface="+mn-ea"/>
-              </a:rPr>
-              <a:t>Scenario</a:t>
-            </a:r>
-          </a:p>
-          <a:p>
-            <a:pPr algn="l"/>
-            <a:endParaRPr lang="en-US" altLang="ko-KR" sz="1800" dirty="0">
-              <a:solidFill>
-                <a:schemeClr val="tx1">
-                  <a:lumMod val="75000"/>
-                  <a:lumOff val="25000"/>
-                </a:schemeClr>
-              </a:solidFill>
-              <a:latin typeface="+mn-ea"/>
-            </a:endParaRPr>
-          </a:p>
-        </p:txBody>
-      </p:sp>
-      <p:sp>
-        <p:nvSpPr>
-          <p:cNvPr id="7" name="부제목 2"/>
-          <p:cNvSpPr txBox="1">
-            <a:spLocks/>
-          </p:cNvSpPr>
-          <p:nvPr/>
-        </p:nvSpPr>
-        <p:spPr>
-          <a:xfrm>
-            <a:off x="6564702" y="682791"/>
-            <a:ext cx="2103048" cy="261403"/>
-          </a:xfrm>
-          <a:prstGeom prst="rect">
-            <a:avLst/>
-          </a:prstGeom>
-        </p:spPr>
-        <p:txBody>
-          <a:bodyPr vert="horz" lIns="91440" tIns="0" rIns="91440" bIns="45720" rtlCol="0">
-            <a:noAutofit/>
-          </a:bodyPr>
-          <a:lstStyle>
-            <a:lvl1pPr marL="0" indent="0" algn="ctr" defTabSz="914400" rtl="0" eaLnBrk="1" latinLnBrk="1" hangingPunct="1">
-              <a:lnSpc>
-                <a:spcPct val="90000"/>
-              </a:lnSpc>
-              <a:spcBef>
-                <a:spcPts val="1000"/>
-              </a:spcBef>
-              <a:buFont typeface="Arial" panose="020B0604020202020204" pitchFamily="34" charset="0"/>
-              <a:buNone/>
-              <a:defRPr sz="2400" kern="1200">
-                <a:solidFill>
-                  <a:schemeClr val="tx1"/>
-                </a:solidFill>
-                <a:latin typeface="+mn-lt"/>
-                <a:ea typeface="+mn-ea"/>
-                <a:cs typeface="+mn-cs"/>
-              </a:defRPr>
-            </a:lvl1pPr>
-            <a:lvl2pPr marL="457200" indent="0" algn="ctr" defTabSz="914400" rtl="0" eaLnBrk="1" latinLnBrk="1" hangingPunct="1">
-              <a:lnSpc>
-                <a:spcPct val="90000"/>
-              </a:lnSpc>
-              <a:spcBef>
-                <a:spcPts val="500"/>
-              </a:spcBef>
-              <a:buFont typeface="Arial" panose="020B0604020202020204" pitchFamily="34" charset="0"/>
-              <a:buNone/>
-              <a:defRPr sz="2000" kern="1200">
-                <a:solidFill>
-                  <a:schemeClr val="tx1"/>
-                </a:solidFill>
-                <a:latin typeface="+mn-lt"/>
-                <a:ea typeface="+mn-ea"/>
-                <a:cs typeface="+mn-cs"/>
-              </a:defRPr>
-            </a:lvl2pPr>
-            <a:lvl3pPr marL="914400" indent="0" algn="ctr" defTabSz="914400" rtl="0" eaLnBrk="1" latinLnBrk="1" hangingPunct="1">
-              <a:lnSpc>
-                <a:spcPct val="90000"/>
-              </a:lnSpc>
-              <a:spcBef>
-                <a:spcPts val="500"/>
-              </a:spcBef>
-              <a:buFont typeface="Arial" panose="020B0604020202020204" pitchFamily="34" charset="0"/>
-              <a:buNone/>
-              <a:defRPr sz="1800" kern="1200">
-                <a:solidFill>
-                  <a:schemeClr val="tx1"/>
-                </a:solidFill>
-                <a:latin typeface="+mn-lt"/>
-                <a:ea typeface="+mn-ea"/>
-                <a:cs typeface="+mn-cs"/>
-              </a:defRPr>
-            </a:lvl3pPr>
-            <a:lvl4pPr marL="1371600" indent="0" algn="ctr" defTabSz="914400" rtl="0" eaLnBrk="1" latinLnBrk="1" hangingPunct="1">
-              <a:lnSpc>
-                <a:spcPct val="90000"/>
-              </a:lnSpc>
-              <a:spcBef>
-                <a:spcPts val="500"/>
-              </a:spcBef>
-              <a:buFont typeface="Arial" panose="020B0604020202020204" pitchFamily="34" charset="0"/>
-              <a:buNone/>
-              <a:defRPr sz="1600" kern="1200">
-                <a:solidFill>
-                  <a:schemeClr val="tx1"/>
-                </a:solidFill>
-                <a:latin typeface="+mn-lt"/>
-                <a:ea typeface="+mn-ea"/>
-                <a:cs typeface="+mn-cs"/>
-              </a:defRPr>
-            </a:lvl4pPr>
-            <a:lvl5pPr marL="1828800" indent="0" algn="ctr" defTabSz="914400" rtl="0" eaLnBrk="1" latinLnBrk="1" hangingPunct="1">
-              <a:lnSpc>
-                <a:spcPct val="90000"/>
-              </a:lnSpc>
-              <a:spcBef>
-                <a:spcPts val="500"/>
-              </a:spcBef>
-              <a:buFont typeface="Arial" panose="020B0604020202020204" pitchFamily="34" charset="0"/>
-              <a:buNone/>
-              <a:defRPr sz="1600" kern="1200">
-                <a:solidFill>
-                  <a:schemeClr val="tx1"/>
-                </a:solidFill>
-                <a:latin typeface="+mn-lt"/>
-                <a:ea typeface="+mn-ea"/>
-                <a:cs typeface="+mn-cs"/>
-              </a:defRPr>
-            </a:lvl5pPr>
-            <a:lvl6pPr marL="2286000" indent="0" algn="ctr" defTabSz="914400" rtl="0" eaLnBrk="1" latinLnBrk="1" hangingPunct="1">
-              <a:lnSpc>
-                <a:spcPct val="90000"/>
-              </a:lnSpc>
-              <a:spcBef>
-                <a:spcPts val="500"/>
-              </a:spcBef>
-              <a:buFont typeface="Arial" panose="020B0604020202020204" pitchFamily="34" charset="0"/>
-              <a:buNone/>
-              <a:defRPr sz="1600" kern="1200">
-                <a:solidFill>
-                  <a:schemeClr val="tx1"/>
-                </a:solidFill>
-                <a:latin typeface="+mn-lt"/>
-                <a:ea typeface="+mn-ea"/>
-                <a:cs typeface="+mn-cs"/>
-              </a:defRPr>
-            </a:lvl6pPr>
-            <a:lvl7pPr marL="2743200" indent="0" algn="ctr" defTabSz="914400" rtl="0" eaLnBrk="1" latinLnBrk="1" hangingPunct="1">
-              <a:lnSpc>
-                <a:spcPct val="90000"/>
-              </a:lnSpc>
-              <a:spcBef>
-                <a:spcPts val="500"/>
-              </a:spcBef>
-              <a:buFont typeface="Arial" panose="020B0604020202020204" pitchFamily="34" charset="0"/>
-              <a:buNone/>
-              <a:defRPr sz="1600" kern="1200">
-                <a:solidFill>
-                  <a:schemeClr val="tx1"/>
-                </a:solidFill>
-                <a:latin typeface="+mn-lt"/>
-                <a:ea typeface="+mn-ea"/>
-                <a:cs typeface="+mn-cs"/>
-              </a:defRPr>
-            </a:lvl7pPr>
-            <a:lvl8pPr marL="3200400" indent="0" algn="ctr" defTabSz="914400" rtl="0" eaLnBrk="1" latinLnBrk="1" hangingPunct="1">
-              <a:lnSpc>
-                <a:spcPct val="90000"/>
-              </a:lnSpc>
-              <a:spcBef>
-                <a:spcPts val="500"/>
-              </a:spcBef>
-              <a:buFont typeface="Arial" panose="020B0604020202020204" pitchFamily="34" charset="0"/>
-              <a:buNone/>
-              <a:defRPr sz="1600" kern="1200">
-                <a:solidFill>
-                  <a:schemeClr val="tx1"/>
-                </a:solidFill>
-                <a:latin typeface="+mn-lt"/>
-                <a:ea typeface="+mn-ea"/>
-                <a:cs typeface="+mn-cs"/>
-              </a:defRPr>
-            </a:lvl8pPr>
-            <a:lvl9pPr marL="3657600" indent="0" algn="ctr" defTabSz="914400" rtl="0" eaLnBrk="1" latinLnBrk="1" hangingPunct="1">
-              <a:lnSpc>
-                <a:spcPct val="90000"/>
-              </a:lnSpc>
-              <a:spcBef>
-                <a:spcPts val="500"/>
-              </a:spcBef>
-              <a:buFont typeface="Arial" panose="020B0604020202020204" pitchFamily="34" charset="0"/>
-              <a:buNone/>
-              <a:defRPr sz="1600" kern="1200">
-                <a:solidFill>
-                  <a:schemeClr val="tx1"/>
-                </a:solidFill>
-                <a:latin typeface="+mn-lt"/>
-                <a:ea typeface="+mn-ea"/>
-                <a:cs typeface="+mn-cs"/>
-              </a:defRPr>
-            </a:lvl9pPr>
-          </a:lstStyle>
-          <a:p>
-            <a:pPr algn="l"/>
-            <a:r>
-              <a:rPr lang="en-US" altLang="ko-KR" sz="2800" dirty="0">
-                <a:solidFill>
-                  <a:schemeClr val="tx1">
-                    <a:lumMod val="75000"/>
-                    <a:lumOff val="25000"/>
-                  </a:schemeClr>
-                </a:solidFill>
-              </a:rPr>
-              <a:t>Contents</a:t>
-            </a:r>
-            <a:endParaRPr lang="ko-KR" altLang="en-US" sz="2800" dirty="0">
-              <a:solidFill>
-                <a:schemeClr val="tx1">
-                  <a:lumMod val="75000"/>
-                  <a:lumOff val="25000"/>
-                </a:schemeClr>
-              </a:solidFill>
-            </a:endParaRPr>
-          </a:p>
-        </p:txBody>
-      </p:sp>
-    </p:spTree>
-    <p:extLst>
-      <p:ext uri="{BB962C8B-B14F-4D97-AF65-F5344CB8AC3E}">
-        <p14:creationId xmlns:p14="http://schemas.microsoft.com/office/powerpoint/2010/main" val="2536688729"/>
-      </p:ext>
-    </p:extLst>
-  </p:cSld>
-  <p:clrMapOvr>
-    <a:masterClrMapping/>
-  </p:clrMapOvr>
-</p:sld>
-</file>
-
-<file path=ppt/slides/slide20.xml><?xml version="1.0" encoding="utf-8"?>
+<file path=ppt/slides/slide21.xml><?xml version="1.0" encoding="utf-8"?>
 <p:sld xmlns:a="http://schemas.openxmlformats.org/drawingml/2006/main" xmlns:r="http://schemas.openxmlformats.org/officeDocument/2006/relationships" xmlns:p="http://schemas.openxmlformats.org/presentationml/2006/main">
   <p:cSld>
     <p:spTree>
@@ -13792,7 +14284,7 @@
 </p:sld>
 </file>
 
-<file path=ppt/slides/slide21.xml><?xml version="1.0" encoding="utf-8"?>
+<file path=ppt/slides/slide22.xml><?xml version="1.0" encoding="utf-8"?>
 <p:sld xmlns:a="http://schemas.openxmlformats.org/drawingml/2006/main" xmlns:r="http://schemas.openxmlformats.org/officeDocument/2006/relationships" xmlns:p="http://schemas.openxmlformats.org/presentationml/2006/main">
   <p:cSld>
     <p:spTree>
@@ -14442,7 +14934,7 @@
 </p:sld>
 </file>
 
-<file path=ppt/slides/slide22.xml><?xml version="1.0" encoding="utf-8"?>
+<file path=ppt/slides/slide23.xml><?xml version="1.0" encoding="utf-8"?>
 <p:sld xmlns:a="http://schemas.openxmlformats.org/drawingml/2006/main" xmlns:r="http://schemas.openxmlformats.org/officeDocument/2006/relationships" xmlns:p="http://schemas.openxmlformats.org/presentationml/2006/main">
   <p:cSld>
     <p:spTree>
@@ -15034,7 +15526,7 @@
 </p:sld>
 </file>
 
-<file path=ppt/slides/slide23.xml><?xml version="1.0" encoding="utf-8"?>
+<file path=ppt/slides/slide24.xml><?xml version="1.0" encoding="utf-8"?>
 <p:sld xmlns:a="http://schemas.openxmlformats.org/drawingml/2006/main" xmlns:r="http://schemas.openxmlformats.org/officeDocument/2006/relationships" xmlns:p="http://schemas.openxmlformats.org/presentationml/2006/main">
   <p:cSld>
     <p:spTree>
@@ -15755,7 +16247,7 @@
 </p:sld>
 </file>
 
-<file path=ppt/slides/slide24.xml><?xml version="1.0" encoding="utf-8"?>
+<file path=ppt/slides/slide25.xml><?xml version="1.0" encoding="utf-8"?>
 <p:sld xmlns:a="http://schemas.openxmlformats.org/drawingml/2006/main" xmlns:r="http://schemas.openxmlformats.org/officeDocument/2006/relationships" xmlns:p="http://schemas.openxmlformats.org/presentationml/2006/main">
   <p:cSld>
     <p:spTree>
@@ -16518,7 +17010,7 @@
 </p:sld>
 </file>
 
-<file path=ppt/slides/slide25.xml><?xml version="1.0" encoding="utf-8"?>
+<file path=ppt/slides/slide26.xml><?xml version="1.0" encoding="utf-8"?>
 <p:sld xmlns:a="http://schemas.openxmlformats.org/drawingml/2006/main" xmlns:r="http://schemas.openxmlformats.org/officeDocument/2006/relationships" xmlns:p="http://schemas.openxmlformats.org/presentationml/2006/main">
   <p:cSld>
     <p:spTree>
@@ -17235,7 +17727,7 @@
 </p:sld>
 </file>
 
-<file path=ppt/slides/slide26.xml><?xml version="1.0" encoding="utf-8"?>
+<file path=ppt/slides/slide27.xml><?xml version="1.0" encoding="utf-8"?>
 <p:sld xmlns:a="http://schemas.openxmlformats.org/drawingml/2006/main" xmlns:r="http://schemas.openxmlformats.org/officeDocument/2006/relationships" xmlns:p="http://schemas.openxmlformats.org/presentationml/2006/main">
   <p:cSld>
     <p:spTree>
@@ -18315,7 +18807,7 @@
 </p:sld>
 </file>
 
-<file path=ppt/slides/slide27.xml><?xml version="1.0" encoding="utf-8"?>
+<file path=ppt/slides/slide28.xml><?xml version="1.0" encoding="utf-8"?>
 <p:sld xmlns:a="http://schemas.openxmlformats.org/drawingml/2006/main" xmlns:r="http://schemas.openxmlformats.org/officeDocument/2006/relationships" xmlns:p="http://schemas.openxmlformats.org/presentationml/2006/main">
   <p:cSld>
     <p:spTree>
@@ -19115,7 +19607,7 @@
 </p:sld>
 </file>
 
-<file path=ppt/slides/slide28.xml><?xml version="1.0" encoding="utf-8"?>
+<file path=ppt/slides/slide29.xml><?xml version="1.0" encoding="utf-8"?>
 <p:sld xmlns:a="http://schemas.openxmlformats.org/drawingml/2006/main" xmlns:r="http://schemas.openxmlformats.org/officeDocument/2006/relationships" xmlns:p="http://schemas.openxmlformats.org/presentationml/2006/main">
   <p:cSld>
     <p:spTree>
@@ -19570,490 +20062,6 @@
     <p:extLst>
       <p:ext uri="{BB962C8B-B14F-4D97-AF65-F5344CB8AC3E}">
         <p14:creationId xmlns:p14="http://schemas.microsoft.com/office/powerpoint/2010/main" val="1579002701"/>
-      </p:ext>
-    </p:extLst>
-  </p:cSld>
-  <p:clrMapOvr>
-    <a:masterClrMapping/>
-  </p:clrMapOvr>
-</p:sld>
-</file>
-
-<file path=ppt/slides/slide29.xml><?xml version="1.0" encoding="utf-8"?>
-<p:sld xmlns:a="http://schemas.openxmlformats.org/drawingml/2006/main" xmlns:r="http://schemas.openxmlformats.org/officeDocument/2006/relationships" xmlns:p="http://schemas.openxmlformats.org/presentationml/2006/main">
-  <p:cSld>
-    <p:spTree>
-      <p:nvGrpSpPr>
-        <p:cNvPr id="1" name=""/>
-        <p:cNvGrpSpPr/>
-        <p:nvPr/>
-      </p:nvGrpSpPr>
-      <p:grpSpPr>
-        <a:xfrm>
-          <a:off x="0" y="0"/>
-          <a:ext cx="0" cy="0"/>
-          <a:chOff x="0" y="0"/>
-          <a:chExt cx="0" cy="0"/>
-        </a:xfrm>
-      </p:grpSpPr>
-      <p:sp>
-        <p:nvSpPr>
-          <p:cNvPr id="4" name="부제목 2"/>
-          <p:cNvSpPr txBox="1">
-            <a:spLocks/>
-          </p:cNvSpPr>
-          <p:nvPr/>
-        </p:nvSpPr>
-        <p:spPr>
-          <a:xfrm>
-            <a:off x="344488" y="332656"/>
-            <a:ext cx="3168352" cy="288032"/>
-          </a:xfrm>
-          <a:prstGeom prst="rect">
-            <a:avLst/>
-          </a:prstGeom>
-        </p:spPr>
-        <p:txBody>
-          <a:bodyPr vert="horz" lIns="91440" tIns="0" rIns="91440" bIns="45720" rtlCol="0">
-            <a:noAutofit/>
-          </a:bodyPr>
-          <a:lstStyle>
-            <a:lvl1pPr marL="0" indent="0" algn="ctr" defTabSz="914400" rtl="0" eaLnBrk="1" latinLnBrk="1" hangingPunct="1">
-              <a:lnSpc>
-                <a:spcPct val="90000"/>
-              </a:lnSpc>
-              <a:spcBef>
-                <a:spcPts val="1000"/>
-              </a:spcBef>
-              <a:buFont typeface="Arial" panose="020B0604020202020204" pitchFamily="34" charset="0"/>
-              <a:buNone/>
-              <a:defRPr sz="2400" kern="1200">
-                <a:solidFill>
-                  <a:schemeClr val="tx1"/>
-                </a:solidFill>
-                <a:latin typeface="+mn-lt"/>
-                <a:ea typeface="+mn-ea"/>
-                <a:cs typeface="+mn-cs"/>
-              </a:defRPr>
-            </a:lvl1pPr>
-            <a:lvl2pPr marL="457200" indent="0" algn="ctr" defTabSz="914400" rtl="0" eaLnBrk="1" latinLnBrk="1" hangingPunct="1">
-              <a:lnSpc>
-                <a:spcPct val="90000"/>
-              </a:lnSpc>
-              <a:spcBef>
-                <a:spcPts val="500"/>
-              </a:spcBef>
-              <a:buFont typeface="Arial" panose="020B0604020202020204" pitchFamily="34" charset="0"/>
-              <a:buNone/>
-              <a:defRPr sz="2000" kern="1200">
-                <a:solidFill>
-                  <a:schemeClr val="tx1"/>
-                </a:solidFill>
-                <a:latin typeface="+mn-lt"/>
-                <a:ea typeface="+mn-ea"/>
-                <a:cs typeface="+mn-cs"/>
-              </a:defRPr>
-            </a:lvl2pPr>
-            <a:lvl3pPr marL="914400" indent="0" algn="ctr" defTabSz="914400" rtl="0" eaLnBrk="1" latinLnBrk="1" hangingPunct="1">
-              <a:lnSpc>
-                <a:spcPct val="90000"/>
-              </a:lnSpc>
-              <a:spcBef>
-                <a:spcPts val="500"/>
-              </a:spcBef>
-              <a:buFont typeface="Arial" panose="020B0604020202020204" pitchFamily="34" charset="0"/>
-              <a:buNone/>
-              <a:defRPr sz="1800" kern="1200">
-                <a:solidFill>
-                  <a:schemeClr val="tx1"/>
-                </a:solidFill>
-                <a:latin typeface="+mn-lt"/>
-                <a:ea typeface="+mn-ea"/>
-                <a:cs typeface="+mn-cs"/>
-              </a:defRPr>
-            </a:lvl3pPr>
-            <a:lvl4pPr marL="1371600" indent="0" algn="ctr" defTabSz="914400" rtl="0" eaLnBrk="1" latinLnBrk="1" hangingPunct="1">
-              <a:lnSpc>
-                <a:spcPct val="90000"/>
-              </a:lnSpc>
-              <a:spcBef>
-                <a:spcPts val="500"/>
-              </a:spcBef>
-              <a:buFont typeface="Arial" panose="020B0604020202020204" pitchFamily="34" charset="0"/>
-              <a:buNone/>
-              <a:defRPr sz="1600" kern="1200">
-                <a:solidFill>
-                  <a:schemeClr val="tx1"/>
-                </a:solidFill>
-                <a:latin typeface="+mn-lt"/>
-                <a:ea typeface="+mn-ea"/>
-                <a:cs typeface="+mn-cs"/>
-              </a:defRPr>
-            </a:lvl4pPr>
-            <a:lvl5pPr marL="1828800" indent="0" algn="ctr" defTabSz="914400" rtl="0" eaLnBrk="1" latinLnBrk="1" hangingPunct="1">
-              <a:lnSpc>
-                <a:spcPct val="90000"/>
-              </a:lnSpc>
-              <a:spcBef>
-                <a:spcPts val="500"/>
-              </a:spcBef>
-              <a:buFont typeface="Arial" panose="020B0604020202020204" pitchFamily="34" charset="0"/>
-              <a:buNone/>
-              <a:defRPr sz="1600" kern="1200">
-                <a:solidFill>
-                  <a:schemeClr val="tx1"/>
-                </a:solidFill>
-                <a:latin typeface="+mn-lt"/>
-                <a:ea typeface="+mn-ea"/>
-                <a:cs typeface="+mn-cs"/>
-              </a:defRPr>
-            </a:lvl5pPr>
-            <a:lvl6pPr marL="2286000" indent="0" algn="ctr" defTabSz="914400" rtl="0" eaLnBrk="1" latinLnBrk="1" hangingPunct="1">
-              <a:lnSpc>
-                <a:spcPct val="90000"/>
-              </a:lnSpc>
-              <a:spcBef>
-                <a:spcPts val="500"/>
-              </a:spcBef>
-              <a:buFont typeface="Arial" panose="020B0604020202020204" pitchFamily="34" charset="0"/>
-              <a:buNone/>
-              <a:defRPr sz="1600" kern="1200">
-                <a:solidFill>
-                  <a:schemeClr val="tx1"/>
-                </a:solidFill>
-                <a:latin typeface="+mn-lt"/>
-                <a:ea typeface="+mn-ea"/>
-                <a:cs typeface="+mn-cs"/>
-              </a:defRPr>
-            </a:lvl6pPr>
-            <a:lvl7pPr marL="2743200" indent="0" algn="ctr" defTabSz="914400" rtl="0" eaLnBrk="1" latinLnBrk="1" hangingPunct="1">
-              <a:lnSpc>
-                <a:spcPct val="90000"/>
-              </a:lnSpc>
-              <a:spcBef>
-                <a:spcPts val="500"/>
-              </a:spcBef>
-              <a:buFont typeface="Arial" panose="020B0604020202020204" pitchFamily="34" charset="0"/>
-              <a:buNone/>
-              <a:defRPr sz="1600" kern="1200">
-                <a:solidFill>
-                  <a:schemeClr val="tx1"/>
-                </a:solidFill>
-                <a:latin typeface="+mn-lt"/>
-                <a:ea typeface="+mn-ea"/>
-                <a:cs typeface="+mn-cs"/>
-              </a:defRPr>
-            </a:lvl7pPr>
-            <a:lvl8pPr marL="3200400" indent="0" algn="ctr" defTabSz="914400" rtl="0" eaLnBrk="1" latinLnBrk="1" hangingPunct="1">
-              <a:lnSpc>
-                <a:spcPct val="90000"/>
-              </a:lnSpc>
-              <a:spcBef>
-                <a:spcPts val="500"/>
-              </a:spcBef>
-              <a:buFont typeface="Arial" panose="020B0604020202020204" pitchFamily="34" charset="0"/>
-              <a:buNone/>
-              <a:defRPr sz="1600" kern="1200">
-                <a:solidFill>
-                  <a:schemeClr val="tx1"/>
-                </a:solidFill>
-                <a:latin typeface="+mn-lt"/>
-                <a:ea typeface="+mn-ea"/>
-                <a:cs typeface="+mn-cs"/>
-              </a:defRPr>
-            </a:lvl8pPr>
-            <a:lvl9pPr marL="3657600" indent="0" algn="ctr" defTabSz="914400" rtl="0" eaLnBrk="1" latinLnBrk="1" hangingPunct="1">
-              <a:lnSpc>
-                <a:spcPct val="90000"/>
-              </a:lnSpc>
-              <a:spcBef>
-                <a:spcPts val="500"/>
-              </a:spcBef>
-              <a:buFont typeface="Arial" panose="020B0604020202020204" pitchFamily="34" charset="0"/>
-              <a:buNone/>
-              <a:defRPr sz="1600" kern="1200">
-                <a:solidFill>
-                  <a:schemeClr val="tx1"/>
-                </a:solidFill>
-                <a:latin typeface="+mn-lt"/>
-                <a:ea typeface="+mn-ea"/>
-                <a:cs typeface="+mn-cs"/>
-              </a:defRPr>
-            </a:lvl9pPr>
-          </a:lstStyle>
-          <a:p>
-            <a:pPr algn="l"/>
-            <a:r>
-              <a:rPr lang="en-US" altLang="ko-KR" sz="2800" dirty="0">
-                <a:solidFill>
-                  <a:schemeClr val="tx1">
-                    <a:lumMod val="75000"/>
-                    <a:lumOff val="25000"/>
-                  </a:schemeClr>
-                </a:solidFill>
-              </a:rPr>
-              <a:t>Scenario</a:t>
-            </a:r>
-          </a:p>
-        </p:txBody>
-      </p:sp>
-      <p:sp>
-        <p:nvSpPr>
-          <p:cNvPr id="5" name="부제목 2"/>
-          <p:cNvSpPr txBox="1">
-            <a:spLocks/>
-          </p:cNvSpPr>
-          <p:nvPr/>
-        </p:nvSpPr>
-        <p:spPr>
-          <a:xfrm>
-            <a:off x="989913" y="764704"/>
-            <a:ext cx="4275893" cy="219484"/>
-          </a:xfrm>
-          <a:prstGeom prst="rect">
-            <a:avLst/>
-          </a:prstGeom>
-        </p:spPr>
-        <p:txBody>
-          <a:bodyPr vert="horz" lIns="91440" tIns="0" rIns="91440" bIns="45720" rtlCol="0">
-            <a:noAutofit/>
-          </a:bodyPr>
-          <a:lstStyle>
-            <a:lvl1pPr marL="0" indent="0" algn="ctr" defTabSz="914400" rtl="0" eaLnBrk="1" latinLnBrk="1" hangingPunct="1">
-              <a:lnSpc>
-                <a:spcPct val="90000"/>
-              </a:lnSpc>
-              <a:spcBef>
-                <a:spcPts val="1000"/>
-              </a:spcBef>
-              <a:buFont typeface="Arial" panose="020B0604020202020204" pitchFamily="34" charset="0"/>
-              <a:buNone/>
-              <a:defRPr sz="2400" kern="1200">
-                <a:solidFill>
-                  <a:schemeClr val="tx1"/>
-                </a:solidFill>
-                <a:latin typeface="+mn-lt"/>
-                <a:ea typeface="+mn-ea"/>
-                <a:cs typeface="+mn-cs"/>
-              </a:defRPr>
-            </a:lvl1pPr>
-            <a:lvl2pPr marL="457200" indent="0" algn="ctr" defTabSz="914400" rtl="0" eaLnBrk="1" latinLnBrk="1" hangingPunct="1">
-              <a:lnSpc>
-                <a:spcPct val="90000"/>
-              </a:lnSpc>
-              <a:spcBef>
-                <a:spcPts val="500"/>
-              </a:spcBef>
-              <a:buFont typeface="Arial" panose="020B0604020202020204" pitchFamily="34" charset="0"/>
-              <a:buNone/>
-              <a:defRPr sz="2000" kern="1200">
-                <a:solidFill>
-                  <a:schemeClr val="tx1"/>
-                </a:solidFill>
-                <a:latin typeface="+mn-lt"/>
-                <a:ea typeface="+mn-ea"/>
-                <a:cs typeface="+mn-cs"/>
-              </a:defRPr>
-            </a:lvl2pPr>
-            <a:lvl3pPr marL="914400" indent="0" algn="ctr" defTabSz="914400" rtl="0" eaLnBrk="1" latinLnBrk="1" hangingPunct="1">
-              <a:lnSpc>
-                <a:spcPct val="90000"/>
-              </a:lnSpc>
-              <a:spcBef>
-                <a:spcPts val="500"/>
-              </a:spcBef>
-              <a:buFont typeface="Arial" panose="020B0604020202020204" pitchFamily="34" charset="0"/>
-              <a:buNone/>
-              <a:defRPr sz="1800" kern="1200">
-                <a:solidFill>
-                  <a:schemeClr val="tx1"/>
-                </a:solidFill>
-                <a:latin typeface="+mn-lt"/>
-                <a:ea typeface="+mn-ea"/>
-                <a:cs typeface="+mn-cs"/>
-              </a:defRPr>
-            </a:lvl3pPr>
-            <a:lvl4pPr marL="1371600" indent="0" algn="ctr" defTabSz="914400" rtl="0" eaLnBrk="1" latinLnBrk="1" hangingPunct="1">
-              <a:lnSpc>
-                <a:spcPct val="90000"/>
-              </a:lnSpc>
-              <a:spcBef>
-                <a:spcPts val="500"/>
-              </a:spcBef>
-              <a:buFont typeface="Arial" panose="020B0604020202020204" pitchFamily="34" charset="0"/>
-              <a:buNone/>
-              <a:defRPr sz="1600" kern="1200">
-                <a:solidFill>
-                  <a:schemeClr val="tx1"/>
-                </a:solidFill>
-                <a:latin typeface="+mn-lt"/>
-                <a:ea typeface="+mn-ea"/>
-                <a:cs typeface="+mn-cs"/>
-              </a:defRPr>
-            </a:lvl4pPr>
-            <a:lvl5pPr marL="1828800" indent="0" algn="ctr" defTabSz="914400" rtl="0" eaLnBrk="1" latinLnBrk="1" hangingPunct="1">
-              <a:lnSpc>
-                <a:spcPct val="90000"/>
-              </a:lnSpc>
-              <a:spcBef>
-                <a:spcPts val="500"/>
-              </a:spcBef>
-              <a:buFont typeface="Arial" panose="020B0604020202020204" pitchFamily="34" charset="0"/>
-              <a:buNone/>
-              <a:defRPr sz="1600" kern="1200">
-                <a:solidFill>
-                  <a:schemeClr val="tx1"/>
-                </a:solidFill>
-                <a:latin typeface="+mn-lt"/>
-                <a:ea typeface="+mn-ea"/>
-                <a:cs typeface="+mn-cs"/>
-              </a:defRPr>
-            </a:lvl5pPr>
-            <a:lvl6pPr marL="2286000" indent="0" algn="ctr" defTabSz="914400" rtl="0" eaLnBrk="1" latinLnBrk="1" hangingPunct="1">
-              <a:lnSpc>
-                <a:spcPct val="90000"/>
-              </a:lnSpc>
-              <a:spcBef>
-                <a:spcPts val="500"/>
-              </a:spcBef>
-              <a:buFont typeface="Arial" panose="020B0604020202020204" pitchFamily="34" charset="0"/>
-              <a:buNone/>
-              <a:defRPr sz="1600" kern="1200">
-                <a:solidFill>
-                  <a:schemeClr val="tx1"/>
-                </a:solidFill>
-                <a:latin typeface="+mn-lt"/>
-                <a:ea typeface="+mn-ea"/>
-                <a:cs typeface="+mn-cs"/>
-              </a:defRPr>
-            </a:lvl6pPr>
-            <a:lvl7pPr marL="2743200" indent="0" algn="ctr" defTabSz="914400" rtl="0" eaLnBrk="1" latinLnBrk="1" hangingPunct="1">
-              <a:lnSpc>
-                <a:spcPct val="90000"/>
-              </a:lnSpc>
-              <a:spcBef>
-                <a:spcPts val="500"/>
-              </a:spcBef>
-              <a:buFont typeface="Arial" panose="020B0604020202020204" pitchFamily="34" charset="0"/>
-              <a:buNone/>
-              <a:defRPr sz="1600" kern="1200">
-                <a:solidFill>
-                  <a:schemeClr val="tx1"/>
-                </a:solidFill>
-                <a:latin typeface="+mn-lt"/>
-                <a:ea typeface="+mn-ea"/>
-                <a:cs typeface="+mn-cs"/>
-              </a:defRPr>
-            </a:lvl7pPr>
-            <a:lvl8pPr marL="3200400" indent="0" algn="ctr" defTabSz="914400" rtl="0" eaLnBrk="1" latinLnBrk="1" hangingPunct="1">
-              <a:lnSpc>
-                <a:spcPct val="90000"/>
-              </a:lnSpc>
-              <a:spcBef>
-                <a:spcPts val="500"/>
-              </a:spcBef>
-              <a:buFont typeface="Arial" panose="020B0604020202020204" pitchFamily="34" charset="0"/>
-              <a:buNone/>
-              <a:defRPr sz="1600" kern="1200">
-                <a:solidFill>
-                  <a:schemeClr val="tx1"/>
-                </a:solidFill>
-                <a:latin typeface="+mn-lt"/>
-                <a:ea typeface="+mn-ea"/>
-                <a:cs typeface="+mn-cs"/>
-              </a:defRPr>
-            </a:lvl8pPr>
-            <a:lvl9pPr marL="3657600" indent="0" algn="ctr" defTabSz="914400" rtl="0" eaLnBrk="1" latinLnBrk="1" hangingPunct="1">
-              <a:lnSpc>
-                <a:spcPct val="90000"/>
-              </a:lnSpc>
-              <a:spcBef>
-                <a:spcPts val="500"/>
-              </a:spcBef>
-              <a:buFont typeface="Arial" panose="020B0604020202020204" pitchFamily="34" charset="0"/>
-              <a:buNone/>
-              <a:defRPr sz="1600" kern="1200">
-                <a:solidFill>
-                  <a:schemeClr val="tx1"/>
-                </a:solidFill>
-                <a:latin typeface="+mn-lt"/>
-                <a:ea typeface="+mn-ea"/>
-                <a:cs typeface="+mn-cs"/>
-              </a:defRPr>
-            </a:lvl9pPr>
-          </a:lstStyle>
-          <a:p>
-            <a:pPr algn="l"/>
-            <a:r>
-              <a:rPr lang="en-US" altLang="ko-KR" sz="2000" dirty="0">
-                <a:solidFill>
-                  <a:schemeClr val="tx1">
-                    <a:lumMod val="75000"/>
-                    <a:lumOff val="25000"/>
-                  </a:schemeClr>
-                </a:solidFill>
-              </a:rPr>
-              <a:t>-</a:t>
-            </a:r>
-            <a:r>
-              <a:rPr lang="en-US" altLang="ko-KR" sz="2000" dirty="0"/>
-              <a:t>After send message</a:t>
-            </a:r>
-            <a:endParaRPr lang="ko-KR" altLang="en-US" sz="2000" dirty="0">
-              <a:solidFill>
-                <a:schemeClr val="tx1">
-                  <a:lumMod val="75000"/>
-                  <a:lumOff val="25000"/>
-                </a:schemeClr>
-              </a:solidFill>
-            </a:endParaRPr>
-          </a:p>
-        </p:txBody>
-      </p:sp>
-      <p:pic>
-        <p:nvPicPr>
-          <p:cNvPr id="2" name="그림 1"/>
-          <p:cNvPicPr>
-            <a:picLocks noChangeAspect="1"/>
-          </p:cNvPicPr>
-          <p:nvPr/>
-        </p:nvPicPr>
-        <p:blipFill>
-          <a:blip r:embed="rId3" cstate="print">
-            <a:extLst>
-              <a:ext uri="{28A0092B-C50C-407E-A947-70E740481C1C}">
-                <a14:useLocalDpi xmlns:a14="http://schemas.microsoft.com/office/drawing/2010/main" val="0"/>
-              </a:ext>
-            </a:extLst>
-          </a:blip>
-          <a:stretch>
-            <a:fillRect/>
-          </a:stretch>
-        </p:blipFill>
-        <p:spPr>
-          <a:xfrm>
-            <a:off x="3512840" y="1128204"/>
-            <a:ext cx="2873873" cy="5109108"/>
-          </a:xfrm>
-          <a:prstGeom prst="rect">
-            <a:avLst/>
-          </a:prstGeom>
-          <a:ln>
-            <a:noFill/>
-          </a:ln>
-          <a:effectLst>
-            <a:outerShdw blurRad="292100" dist="139700" dir="2700000" algn="tl" rotWithShape="0">
-              <a:srgbClr val="333333">
-                <a:alpha val="65000"/>
-              </a:srgbClr>
-            </a:outerShdw>
-          </a:effectLst>
-        </p:spPr>
-      </p:pic>
-    </p:spTree>
-    <p:extLst>
-      <p:ext uri="{BB962C8B-B14F-4D97-AF65-F5344CB8AC3E}">
-        <p14:creationId xmlns:p14="http://schemas.microsoft.com/office/powerpoint/2010/main" val="1582888677"/>
       </p:ext>
     </p:extLst>
   </p:cSld>
@@ -20342,6 +20350,490 @@
 </file>
 
 <file path=ppt/slides/slide30.xml><?xml version="1.0" encoding="utf-8"?>
+<p:sld xmlns:a="http://schemas.openxmlformats.org/drawingml/2006/main" xmlns:r="http://schemas.openxmlformats.org/officeDocument/2006/relationships" xmlns:p="http://schemas.openxmlformats.org/presentationml/2006/main">
+  <p:cSld>
+    <p:spTree>
+      <p:nvGrpSpPr>
+        <p:cNvPr id="1" name=""/>
+        <p:cNvGrpSpPr/>
+        <p:nvPr/>
+      </p:nvGrpSpPr>
+      <p:grpSpPr>
+        <a:xfrm>
+          <a:off x="0" y="0"/>
+          <a:ext cx="0" cy="0"/>
+          <a:chOff x="0" y="0"/>
+          <a:chExt cx="0" cy="0"/>
+        </a:xfrm>
+      </p:grpSpPr>
+      <p:sp>
+        <p:nvSpPr>
+          <p:cNvPr id="4" name="부제목 2"/>
+          <p:cNvSpPr txBox="1">
+            <a:spLocks/>
+          </p:cNvSpPr>
+          <p:nvPr/>
+        </p:nvSpPr>
+        <p:spPr>
+          <a:xfrm>
+            <a:off x="344488" y="332656"/>
+            <a:ext cx="3168352" cy="288032"/>
+          </a:xfrm>
+          <a:prstGeom prst="rect">
+            <a:avLst/>
+          </a:prstGeom>
+        </p:spPr>
+        <p:txBody>
+          <a:bodyPr vert="horz" lIns="91440" tIns="0" rIns="91440" bIns="45720" rtlCol="0">
+            <a:noAutofit/>
+          </a:bodyPr>
+          <a:lstStyle>
+            <a:lvl1pPr marL="0" indent="0" algn="ctr" defTabSz="914400" rtl="0" eaLnBrk="1" latinLnBrk="1" hangingPunct="1">
+              <a:lnSpc>
+                <a:spcPct val="90000"/>
+              </a:lnSpc>
+              <a:spcBef>
+                <a:spcPts val="1000"/>
+              </a:spcBef>
+              <a:buFont typeface="Arial" panose="020B0604020202020204" pitchFamily="34" charset="0"/>
+              <a:buNone/>
+              <a:defRPr sz="2400" kern="1200">
+                <a:solidFill>
+                  <a:schemeClr val="tx1"/>
+                </a:solidFill>
+                <a:latin typeface="+mn-lt"/>
+                <a:ea typeface="+mn-ea"/>
+                <a:cs typeface="+mn-cs"/>
+              </a:defRPr>
+            </a:lvl1pPr>
+            <a:lvl2pPr marL="457200" indent="0" algn="ctr" defTabSz="914400" rtl="0" eaLnBrk="1" latinLnBrk="1" hangingPunct="1">
+              <a:lnSpc>
+                <a:spcPct val="90000"/>
+              </a:lnSpc>
+              <a:spcBef>
+                <a:spcPts val="500"/>
+              </a:spcBef>
+              <a:buFont typeface="Arial" panose="020B0604020202020204" pitchFamily="34" charset="0"/>
+              <a:buNone/>
+              <a:defRPr sz="2000" kern="1200">
+                <a:solidFill>
+                  <a:schemeClr val="tx1"/>
+                </a:solidFill>
+                <a:latin typeface="+mn-lt"/>
+                <a:ea typeface="+mn-ea"/>
+                <a:cs typeface="+mn-cs"/>
+              </a:defRPr>
+            </a:lvl2pPr>
+            <a:lvl3pPr marL="914400" indent="0" algn="ctr" defTabSz="914400" rtl="0" eaLnBrk="1" latinLnBrk="1" hangingPunct="1">
+              <a:lnSpc>
+                <a:spcPct val="90000"/>
+              </a:lnSpc>
+              <a:spcBef>
+                <a:spcPts val="500"/>
+              </a:spcBef>
+              <a:buFont typeface="Arial" panose="020B0604020202020204" pitchFamily="34" charset="0"/>
+              <a:buNone/>
+              <a:defRPr sz="1800" kern="1200">
+                <a:solidFill>
+                  <a:schemeClr val="tx1"/>
+                </a:solidFill>
+                <a:latin typeface="+mn-lt"/>
+                <a:ea typeface="+mn-ea"/>
+                <a:cs typeface="+mn-cs"/>
+              </a:defRPr>
+            </a:lvl3pPr>
+            <a:lvl4pPr marL="1371600" indent="0" algn="ctr" defTabSz="914400" rtl="0" eaLnBrk="1" latinLnBrk="1" hangingPunct="1">
+              <a:lnSpc>
+                <a:spcPct val="90000"/>
+              </a:lnSpc>
+              <a:spcBef>
+                <a:spcPts val="500"/>
+              </a:spcBef>
+              <a:buFont typeface="Arial" panose="020B0604020202020204" pitchFamily="34" charset="0"/>
+              <a:buNone/>
+              <a:defRPr sz="1600" kern="1200">
+                <a:solidFill>
+                  <a:schemeClr val="tx1"/>
+                </a:solidFill>
+                <a:latin typeface="+mn-lt"/>
+                <a:ea typeface="+mn-ea"/>
+                <a:cs typeface="+mn-cs"/>
+              </a:defRPr>
+            </a:lvl4pPr>
+            <a:lvl5pPr marL="1828800" indent="0" algn="ctr" defTabSz="914400" rtl="0" eaLnBrk="1" latinLnBrk="1" hangingPunct="1">
+              <a:lnSpc>
+                <a:spcPct val="90000"/>
+              </a:lnSpc>
+              <a:spcBef>
+                <a:spcPts val="500"/>
+              </a:spcBef>
+              <a:buFont typeface="Arial" panose="020B0604020202020204" pitchFamily="34" charset="0"/>
+              <a:buNone/>
+              <a:defRPr sz="1600" kern="1200">
+                <a:solidFill>
+                  <a:schemeClr val="tx1"/>
+                </a:solidFill>
+                <a:latin typeface="+mn-lt"/>
+                <a:ea typeface="+mn-ea"/>
+                <a:cs typeface="+mn-cs"/>
+              </a:defRPr>
+            </a:lvl5pPr>
+            <a:lvl6pPr marL="2286000" indent="0" algn="ctr" defTabSz="914400" rtl="0" eaLnBrk="1" latinLnBrk="1" hangingPunct="1">
+              <a:lnSpc>
+                <a:spcPct val="90000"/>
+              </a:lnSpc>
+              <a:spcBef>
+                <a:spcPts val="500"/>
+              </a:spcBef>
+              <a:buFont typeface="Arial" panose="020B0604020202020204" pitchFamily="34" charset="0"/>
+              <a:buNone/>
+              <a:defRPr sz="1600" kern="1200">
+                <a:solidFill>
+                  <a:schemeClr val="tx1"/>
+                </a:solidFill>
+                <a:latin typeface="+mn-lt"/>
+                <a:ea typeface="+mn-ea"/>
+                <a:cs typeface="+mn-cs"/>
+              </a:defRPr>
+            </a:lvl6pPr>
+            <a:lvl7pPr marL="2743200" indent="0" algn="ctr" defTabSz="914400" rtl="0" eaLnBrk="1" latinLnBrk="1" hangingPunct="1">
+              <a:lnSpc>
+                <a:spcPct val="90000"/>
+              </a:lnSpc>
+              <a:spcBef>
+                <a:spcPts val="500"/>
+              </a:spcBef>
+              <a:buFont typeface="Arial" panose="020B0604020202020204" pitchFamily="34" charset="0"/>
+              <a:buNone/>
+              <a:defRPr sz="1600" kern="1200">
+                <a:solidFill>
+                  <a:schemeClr val="tx1"/>
+                </a:solidFill>
+                <a:latin typeface="+mn-lt"/>
+                <a:ea typeface="+mn-ea"/>
+                <a:cs typeface="+mn-cs"/>
+              </a:defRPr>
+            </a:lvl7pPr>
+            <a:lvl8pPr marL="3200400" indent="0" algn="ctr" defTabSz="914400" rtl="0" eaLnBrk="1" latinLnBrk="1" hangingPunct="1">
+              <a:lnSpc>
+                <a:spcPct val="90000"/>
+              </a:lnSpc>
+              <a:spcBef>
+                <a:spcPts val="500"/>
+              </a:spcBef>
+              <a:buFont typeface="Arial" panose="020B0604020202020204" pitchFamily="34" charset="0"/>
+              <a:buNone/>
+              <a:defRPr sz="1600" kern="1200">
+                <a:solidFill>
+                  <a:schemeClr val="tx1"/>
+                </a:solidFill>
+                <a:latin typeface="+mn-lt"/>
+                <a:ea typeface="+mn-ea"/>
+                <a:cs typeface="+mn-cs"/>
+              </a:defRPr>
+            </a:lvl8pPr>
+            <a:lvl9pPr marL="3657600" indent="0" algn="ctr" defTabSz="914400" rtl="0" eaLnBrk="1" latinLnBrk="1" hangingPunct="1">
+              <a:lnSpc>
+                <a:spcPct val="90000"/>
+              </a:lnSpc>
+              <a:spcBef>
+                <a:spcPts val="500"/>
+              </a:spcBef>
+              <a:buFont typeface="Arial" panose="020B0604020202020204" pitchFamily="34" charset="0"/>
+              <a:buNone/>
+              <a:defRPr sz="1600" kern="1200">
+                <a:solidFill>
+                  <a:schemeClr val="tx1"/>
+                </a:solidFill>
+                <a:latin typeface="+mn-lt"/>
+                <a:ea typeface="+mn-ea"/>
+                <a:cs typeface="+mn-cs"/>
+              </a:defRPr>
+            </a:lvl9pPr>
+          </a:lstStyle>
+          <a:p>
+            <a:pPr algn="l"/>
+            <a:r>
+              <a:rPr lang="en-US" altLang="ko-KR" sz="2800" dirty="0">
+                <a:solidFill>
+                  <a:schemeClr val="tx1">
+                    <a:lumMod val="75000"/>
+                    <a:lumOff val="25000"/>
+                  </a:schemeClr>
+                </a:solidFill>
+              </a:rPr>
+              <a:t>Scenario</a:t>
+            </a:r>
+          </a:p>
+        </p:txBody>
+      </p:sp>
+      <p:sp>
+        <p:nvSpPr>
+          <p:cNvPr id="5" name="부제목 2"/>
+          <p:cNvSpPr txBox="1">
+            <a:spLocks/>
+          </p:cNvSpPr>
+          <p:nvPr/>
+        </p:nvSpPr>
+        <p:spPr>
+          <a:xfrm>
+            <a:off x="989913" y="764704"/>
+            <a:ext cx="4275893" cy="219484"/>
+          </a:xfrm>
+          <a:prstGeom prst="rect">
+            <a:avLst/>
+          </a:prstGeom>
+        </p:spPr>
+        <p:txBody>
+          <a:bodyPr vert="horz" lIns="91440" tIns="0" rIns="91440" bIns="45720" rtlCol="0">
+            <a:noAutofit/>
+          </a:bodyPr>
+          <a:lstStyle>
+            <a:lvl1pPr marL="0" indent="0" algn="ctr" defTabSz="914400" rtl="0" eaLnBrk="1" latinLnBrk="1" hangingPunct="1">
+              <a:lnSpc>
+                <a:spcPct val="90000"/>
+              </a:lnSpc>
+              <a:spcBef>
+                <a:spcPts val="1000"/>
+              </a:spcBef>
+              <a:buFont typeface="Arial" panose="020B0604020202020204" pitchFamily="34" charset="0"/>
+              <a:buNone/>
+              <a:defRPr sz="2400" kern="1200">
+                <a:solidFill>
+                  <a:schemeClr val="tx1"/>
+                </a:solidFill>
+                <a:latin typeface="+mn-lt"/>
+                <a:ea typeface="+mn-ea"/>
+                <a:cs typeface="+mn-cs"/>
+              </a:defRPr>
+            </a:lvl1pPr>
+            <a:lvl2pPr marL="457200" indent="0" algn="ctr" defTabSz="914400" rtl="0" eaLnBrk="1" latinLnBrk="1" hangingPunct="1">
+              <a:lnSpc>
+                <a:spcPct val="90000"/>
+              </a:lnSpc>
+              <a:spcBef>
+                <a:spcPts val="500"/>
+              </a:spcBef>
+              <a:buFont typeface="Arial" panose="020B0604020202020204" pitchFamily="34" charset="0"/>
+              <a:buNone/>
+              <a:defRPr sz="2000" kern="1200">
+                <a:solidFill>
+                  <a:schemeClr val="tx1"/>
+                </a:solidFill>
+                <a:latin typeface="+mn-lt"/>
+                <a:ea typeface="+mn-ea"/>
+                <a:cs typeface="+mn-cs"/>
+              </a:defRPr>
+            </a:lvl2pPr>
+            <a:lvl3pPr marL="914400" indent="0" algn="ctr" defTabSz="914400" rtl="0" eaLnBrk="1" latinLnBrk="1" hangingPunct="1">
+              <a:lnSpc>
+                <a:spcPct val="90000"/>
+              </a:lnSpc>
+              <a:spcBef>
+                <a:spcPts val="500"/>
+              </a:spcBef>
+              <a:buFont typeface="Arial" panose="020B0604020202020204" pitchFamily="34" charset="0"/>
+              <a:buNone/>
+              <a:defRPr sz="1800" kern="1200">
+                <a:solidFill>
+                  <a:schemeClr val="tx1"/>
+                </a:solidFill>
+                <a:latin typeface="+mn-lt"/>
+                <a:ea typeface="+mn-ea"/>
+                <a:cs typeface="+mn-cs"/>
+              </a:defRPr>
+            </a:lvl3pPr>
+            <a:lvl4pPr marL="1371600" indent="0" algn="ctr" defTabSz="914400" rtl="0" eaLnBrk="1" latinLnBrk="1" hangingPunct="1">
+              <a:lnSpc>
+                <a:spcPct val="90000"/>
+              </a:lnSpc>
+              <a:spcBef>
+                <a:spcPts val="500"/>
+              </a:spcBef>
+              <a:buFont typeface="Arial" panose="020B0604020202020204" pitchFamily="34" charset="0"/>
+              <a:buNone/>
+              <a:defRPr sz="1600" kern="1200">
+                <a:solidFill>
+                  <a:schemeClr val="tx1"/>
+                </a:solidFill>
+                <a:latin typeface="+mn-lt"/>
+                <a:ea typeface="+mn-ea"/>
+                <a:cs typeface="+mn-cs"/>
+              </a:defRPr>
+            </a:lvl4pPr>
+            <a:lvl5pPr marL="1828800" indent="0" algn="ctr" defTabSz="914400" rtl="0" eaLnBrk="1" latinLnBrk="1" hangingPunct="1">
+              <a:lnSpc>
+                <a:spcPct val="90000"/>
+              </a:lnSpc>
+              <a:spcBef>
+                <a:spcPts val="500"/>
+              </a:spcBef>
+              <a:buFont typeface="Arial" panose="020B0604020202020204" pitchFamily="34" charset="0"/>
+              <a:buNone/>
+              <a:defRPr sz="1600" kern="1200">
+                <a:solidFill>
+                  <a:schemeClr val="tx1"/>
+                </a:solidFill>
+                <a:latin typeface="+mn-lt"/>
+                <a:ea typeface="+mn-ea"/>
+                <a:cs typeface="+mn-cs"/>
+              </a:defRPr>
+            </a:lvl5pPr>
+            <a:lvl6pPr marL="2286000" indent="0" algn="ctr" defTabSz="914400" rtl="0" eaLnBrk="1" latinLnBrk="1" hangingPunct="1">
+              <a:lnSpc>
+                <a:spcPct val="90000"/>
+              </a:lnSpc>
+              <a:spcBef>
+                <a:spcPts val="500"/>
+              </a:spcBef>
+              <a:buFont typeface="Arial" panose="020B0604020202020204" pitchFamily="34" charset="0"/>
+              <a:buNone/>
+              <a:defRPr sz="1600" kern="1200">
+                <a:solidFill>
+                  <a:schemeClr val="tx1"/>
+                </a:solidFill>
+                <a:latin typeface="+mn-lt"/>
+                <a:ea typeface="+mn-ea"/>
+                <a:cs typeface="+mn-cs"/>
+              </a:defRPr>
+            </a:lvl6pPr>
+            <a:lvl7pPr marL="2743200" indent="0" algn="ctr" defTabSz="914400" rtl="0" eaLnBrk="1" latinLnBrk="1" hangingPunct="1">
+              <a:lnSpc>
+                <a:spcPct val="90000"/>
+              </a:lnSpc>
+              <a:spcBef>
+                <a:spcPts val="500"/>
+              </a:spcBef>
+              <a:buFont typeface="Arial" panose="020B0604020202020204" pitchFamily="34" charset="0"/>
+              <a:buNone/>
+              <a:defRPr sz="1600" kern="1200">
+                <a:solidFill>
+                  <a:schemeClr val="tx1"/>
+                </a:solidFill>
+                <a:latin typeface="+mn-lt"/>
+                <a:ea typeface="+mn-ea"/>
+                <a:cs typeface="+mn-cs"/>
+              </a:defRPr>
+            </a:lvl7pPr>
+            <a:lvl8pPr marL="3200400" indent="0" algn="ctr" defTabSz="914400" rtl="0" eaLnBrk="1" latinLnBrk="1" hangingPunct="1">
+              <a:lnSpc>
+                <a:spcPct val="90000"/>
+              </a:lnSpc>
+              <a:spcBef>
+                <a:spcPts val="500"/>
+              </a:spcBef>
+              <a:buFont typeface="Arial" panose="020B0604020202020204" pitchFamily="34" charset="0"/>
+              <a:buNone/>
+              <a:defRPr sz="1600" kern="1200">
+                <a:solidFill>
+                  <a:schemeClr val="tx1"/>
+                </a:solidFill>
+                <a:latin typeface="+mn-lt"/>
+                <a:ea typeface="+mn-ea"/>
+                <a:cs typeface="+mn-cs"/>
+              </a:defRPr>
+            </a:lvl8pPr>
+            <a:lvl9pPr marL="3657600" indent="0" algn="ctr" defTabSz="914400" rtl="0" eaLnBrk="1" latinLnBrk="1" hangingPunct="1">
+              <a:lnSpc>
+                <a:spcPct val="90000"/>
+              </a:lnSpc>
+              <a:spcBef>
+                <a:spcPts val="500"/>
+              </a:spcBef>
+              <a:buFont typeface="Arial" panose="020B0604020202020204" pitchFamily="34" charset="0"/>
+              <a:buNone/>
+              <a:defRPr sz="1600" kern="1200">
+                <a:solidFill>
+                  <a:schemeClr val="tx1"/>
+                </a:solidFill>
+                <a:latin typeface="+mn-lt"/>
+                <a:ea typeface="+mn-ea"/>
+                <a:cs typeface="+mn-cs"/>
+              </a:defRPr>
+            </a:lvl9pPr>
+          </a:lstStyle>
+          <a:p>
+            <a:pPr algn="l"/>
+            <a:r>
+              <a:rPr lang="en-US" altLang="ko-KR" sz="2000" dirty="0">
+                <a:solidFill>
+                  <a:schemeClr val="tx1">
+                    <a:lumMod val="75000"/>
+                    <a:lumOff val="25000"/>
+                  </a:schemeClr>
+                </a:solidFill>
+              </a:rPr>
+              <a:t>-</a:t>
+            </a:r>
+            <a:r>
+              <a:rPr lang="en-US" altLang="ko-KR" sz="2000" dirty="0"/>
+              <a:t>After send message</a:t>
+            </a:r>
+            <a:endParaRPr lang="ko-KR" altLang="en-US" sz="2000" dirty="0">
+              <a:solidFill>
+                <a:schemeClr val="tx1">
+                  <a:lumMod val="75000"/>
+                  <a:lumOff val="25000"/>
+                </a:schemeClr>
+              </a:solidFill>
+            </a:endParaRPr>
+          </a:p>
+        </p:txBody>
+      </p:sp>
+      <p:pic>
+        <p:nvPicPr>
+          <p:cNvPr id="2" name="그림 1"/>
+          <p:cNvPicPr>
+            <a:picLocks noChangeAspect="1"/>
+          </p:cNvPicPr>
+          <p:nvPr/>
+        </p:nvPicPr>
+        <p:blipFill>
+          <a:blip r:embed="rId3" cstate="print">
+            <a:extLst>
+              <a:ext uri="{28A0092B-C50C-407E-A947-70E740481C1C}">
+                <a14:useLocalDpi xmlns:a14="http://schemas.microsoft.com/office/drawing/2010/main" val="0"/>
+              </a:ext>
+            </a:extLst>
+          </a:blip>
+          <a:stretch>
+            <a:fillRect/>
+          </a:stretch>
+        </p:blipFill>
+        <p:spPr>
+          <a:xfrm>
+            <a:off x="3512840" y="1128204"/>
+            <a:ext cx="2873873" cy="5109108"/>
+          </a:xfrm>
+          <a:prstGeom prst="rect">
+            <a:avLst/>
+          </a:prstGeom>
+          <a:ln>
+            <a:noFill/>
+          </a:ln>
+          <a:effectLst>
+            <a:outerShdw blurRad="292100" dist="139700" dir="2700000" algn="tl" rotWithShape="0">
+              <a:srgbClr val="333333">
+                <a:alpha val="65000"/>
+              </a:srgbClr>
+            </a:outerShdw>
+          </a:effectLst>
+        </p:spPr>
+      </p:pic>
+    </p:spTree>
+    <p:extLst>
+      <p:ext uri="{BB962C8B-B14F-4D97-AF65-F5344CB8AC3E}">
+        <p14:creationId xmlns:p14="http://schemas.microsoft.com/office/powerpoint/2010/main" val="1582888677"/>
+      </p:ext>
+    </p:extLst>
+  </p:cSld>
+  <p:clrMapOvr>
+    <a:masterClrMapping/>
+  </p:clrMapOvr>
+</p:sld>
+</file>
+
+<file path=ppt/slides/slide31.xml><?xml version="1.0" encoding="utf-8"?>
 <p:sld xmlns:a="http://schemas.openxmlformats.org/drawingml/2006/main" xmlns:r="http://schemas.openxmlformats.org/officeDocument/2006/relationships" xmlns:p="http://schemas.openxmlformats.org/presentationml/2006/main">
   <p:cSld>
     <p:spTree>
